--- a/supports/Formation Module-6-partie-2.pptx
+++ b/supports/Formation Module-6-partie-2.pptx
@@ -6,22 +6,24 @@
     <p:sldMasterId id="2147483660" r:id="rId2"/>
   </p:sldMasterIdLst>
   <p:notesMasterIdLst>
-    <p:notesMasterId r:id="rId16"/>
+    <p:notesMasterId r:id="rId18"/>
   </p:notesMasterIdLst>
   <p:sldIdLst>
     <p:sldId id="256" r:id="rId3"/>
     <p:sldId id="389" r:id="rId4"/>
     <p:sldId id="390" r:id="rId5"/>
     <p:sldId id="391" r:id="rId6"/>
-    <p:sldId id="393" r:id="rId7"/>
-    <p:sldId id="392" r:id="rId8"/>
-    <p:sldId id="394" r:id="rId9"/>
-    <p:sldId id="395" r:id="rId10"/>
-    <p:sldId id="396" r:id="rId11"/>
-    <p:sldId id="397" r:id="rId12"/>
-    <p:sldId id="398" r:id="rId13"/>
-    <p:sldId id="399" r:id="rId14"/>
-    <p:sldId id="400" r:id="rId15"/>
+    <p:sldId id="402" r:id="rId7"/>
+    <p:sldId id="401" r:id="rId8"/>
+    <p:sldId id="393" r:id="rId9"/>
+    <p:sldId id="392" r:id="rId10"/>
+    <p:sldId id="394" r:id="rId11"/>
+    <p:sldId id="395" r:id="rId12"/>
+    <p:sldId id="396" r:id="rId13"/>
+    <p:sldId id="397" r:id="rId14"/>
+    <p:sldId id="398" r:id="rId15"/>
+    <p:sldId id="399" r:id="rId16"/>
+    <p:sldId id="400" r:id="rId17"/>
   </p:sldIdLst>
   <p:sldSz cx="12192000" cy="6858000"/>
   <p:notesSz cx="6858000" cy="9144000"/>
@@ -7534,68 +7536,52 @@
           <a:p>
             <a:r>
               <a:rPr lang="fr-FR" dirty="0"/>
-              <a:t>L’inversion de contrôle, </a:t>
+              <a:t>L’injection de dépendances, </a:t>
+            </a:r>
+            <a:r>
+              <a:rPr lang="fr-FR" i="1" dirty="0" err="1"/>
+              <a:t>Dependency</a:t>
             </a:r>
             <a:r>
               <a:rPr lang="fr-FR" i="1" dirty="0"/>
-              <a:t>Inversion of control (</a:t>
-            </a:r>
-            <a:r>
-              <a:rPr lang="fr-FR" i="1" dirty="0" err="1"/>
-              <a:t>IoC</a:t>
+              <a:t> Injection (DI),</a:t>
+            </a:r>
+            <a:r>
+              <a:rPr lang="fr-FR" dirty="0"/>
+              <a:t> a pour but de séparer la création d’un objet de son usage. Cette création est faite à l’extérieur de la classe, par le code appelant. L’instance de la dépendance ainsi créée est injectée dans la classe qui en fait usage</a:t>
+            </a:r>
+          </a:p>
+          <a:p>
+            <a:pPr lvl="1"/>
+            <a:r>
+              <a:rPr lang="fr-FR" dirty="0"/>
+              <a:t>Par constructeur : la dépendance est passée en paramètre au constructeur.</a:t>
+            </a:r>
+          </a:p>
+          <a:p>
+            <a:pPr lvl="1"/>
+            <a:r>
+              <a:rPr lang="fr-FR" dirty="0"/>
+              <a:t>Par méthode : la dépendance est passée en paramètre à la méthode qui l’utilise.</a:t>
+            </a:r>
+          </a:p>
+          <a:p>
+            <a:pPr lvl="1"/>
+            <a:r>
+              <a:rPr lang="fr-FR" dirty="0"/>
+              <a:t>Par propriété : la dépendance est injectée dans la classe au moyen d’un </a:t>
             </a:r>
             <a:r>
               <a:rPr lang="fr-FR" i="1" dirty="0"/>
-              <a:t>),</a:t>
-            </a:r>
-            <a:r>
-              <a:rPr lang="fr-FR" dirty="0"/>
-              <a:t> consiste à déléguer une partie du “contrôle” à l’extérieur de l’élément courant dans un système. </a:t>
-            </a:r>
-          </a:p>
-          <a:p>
-            <a:r>
-              <a:rPr lang="fr-FR" dirty="0"/>
-              <a:t>Au départ, </a:t>
-            </a:r>
-            <a:r>
-              <a:rPr lang="fr-FR" dirty="0" err="1"/>
-              <a:t>CalculatorDataService</a:t>
-            </a:r>
-            <a:r>
-              <a:rPr lang="fr-FR" dirty="0"/>
-              <a:t> contrôlait l’instanciation de ses dépendances. </a:t>
-            </a:r>
-          </a:p>
-          <a:p>
-            <a:r>
-              <a:rPr lang="fr-FR" dirty="0"/>
-              <a:t>Après le premier </a:t>
-            </a:r>
-            <a:r>
-              <a:rPr lang="fr-FR" dirty="0" err="1"/>
-              <a:t>refactoring</a:t>
-            </a:r>
-            <a:r>
-              <a:rPr lang="fr-FR" dirty="0"/>
-              <a:t> (mettant en place l’injection de dépendances), </a:t>
-            </a:r>
-            <a:r>
-              <a:rPr lang="fr-FR" dirty="0" err="1"/>
-              <a:t>CalculatorDataService</a:t>
-            </a:r>
-            <a:r>
-              <a:rPr lang="fr-FR" dirty="0"/>
-              <a:t> a perdu ce contrôle. Il y a eu une inversion du flux de contrôle. On constate donc que l’injection de dépendances est une forme </a:t>
-            </a:r>
-            <a:r>
-              <a:rPr lang="fr-FR" dirty="0" err="1"/>
-              <a:t>d’IoC</a:t>
-            </a:r>
-            <a:r>
-              <a:rPr lang="fr-FR" dirty="0"/>
-              <a:t>.</a:t>
-            </a:r>
+              <a:t>setter</a:t>
+            </a:r>
+            <a:r>
+              <a:rPr lang="fr-FR" dirty="0"/>
+              <a:t>, d’une propriété en écriture (et éventuellement en lecture).</a:t>
+            </a:r>
+          </a:p>
+          <a:p>
+            <a:endParaRPr lang="fr-FR" dirty="0"/>
           </a:p>
         </p:txBody>
       </p:sp>
@@ -7659,7 +7645,7 @@
     </p:spTree>
     <p:extLst>
       <p:ext uri="{BB962C8B-B14F-4D97-AF65-F5344CB8AC3E}">
-        <p14:creationId xmlns:p14="http://schemas.microsoft.com/office/powerpoint/2010/main" val="108930032"/>
+        <p14:creationId xmlns:p14="http://schemas.microsoft.com/office/powerpoint/2010/main" val="756536993"/>
       </p:ext>
     </p:extLst>
   </p:cSld>
@@ -7688,164 +7674,222 @@
       </p:grpSpPr>
       <p:sp>
         <p:nvSpPr>
-          <p:cNvPr id="4" name="Rectangle 3">
-            <a:extLst>
-              <a:ext uri="{FF2B5EF4-FFF2-40B4-BE49-F238E27FC236}">
-                <a16:creationId xmlns:a16="http://schemas.microsoft.com/office/drawing/2014/main" id="{FFE4CB5F-1540-AD91-801F-01E1C2AB613D}"/>
-              </a:ext>
-            </a:extLst>
-          </p:cNvPr>
-          <p:cNvSpPr>
-            <a:spLocks/>
-          </p:cNvSpPr>
-          <p:nvPr/>
+          <p:cNvPr id="2" name="Titre 1">
+            <a:extLst>
+              <a:ext uri="{FF2B5EF4-FFF2-40B4-BE49-F238E27FC236}">
+                <a16:creationId xmlns:a16="http://schemas.microsoft.com/office/drawing/2014/main" id="{F8DA1E1A-2663-3554-42AF-BEA2614AF411}"/>
+              </a:ext>
+            </a:extLst>
+          </p:cNvPr>
+          <p:cNvSpPr>
+            <a:spLocks noGrp="1"/>
+          </p:cNvSpPr>
+          <p:nvPr>
+            <p:ph type="title"/>
+          </p:nvPr>
+        </p:nvSpPr>
+        <p:spPr/>
+        <p:txBody>
+          <a:bodyPr>
+            <a:normAutofit fontScale="90000"/>
+          </a:bodyPr>
+          <a:lstStyle/>
+          <a:p>
+            <a:r>
+              <a:rPr lang="fr-FR" dirty="0"/>
+              <a:t>Flask – Injection de dépendance et inversion de contrôle </a:t>
+            </a:r>
+          </a:p>
+        </p:txBody>
+      </p:sp>
+      <p:sp>
+        <p:nvSpPr>
+          <p:cNvPr id="3" name="Espace réservé du contenu 2">
+            <a:extLst>
+              <a:ext uri="{FF2B5EF4-FFF2-40B4-BE49-F238E27FC236}">
+                <a16:creationId xmlns:a16="http://schemas.microsoft.com/office/drawing/2014/main" id="{75EB2FC0-90DC-6FFE-64E8-AC3A53C73EA4}"/>
+              </a:ext>
+            </a:extLst>
+          </p:cNvPr>
+          <p:cNvSpPr>
+            <a:spLocks noGrp="1"/>
+          </p:cNvSpPr>
+          <p:nvPr>
+            <p:ph idx="1"/>
+          </p:nvPr>
         </p:nvSpPr>
         <p:spPr>
           <a:xfrm>
-            <a:off x="9393116" y="584826"/>
-            <a:ext cx="2105146" cy="706056"/>
+            <a:off x="838200" y="1825625"/>
+            <a:ext cx="4597400" cy="4351338"/>
+          </a:xfrm>
+        </p:spPr>
+        <p:txBody>
+          <a:bodyPr>
+            <a:normAutofit fontScale="92500" lnSpcReduction="20000"/>
+          </a:bodyPr>
+          <a:lstStyle/>
+          <a:p>
+            <a:r>
+              <a:rPr lang="fr-FR" dirty="0"/>
+              <a:t>Le principe d’inversion des dépendances, </a:t>
+            </a:r>
+            <a:r>
+              <a:rPr lang="fr-FR" i="1" dirty="0" err="1"/>
+              <a:t>Dependency</a:t>
+            </a:r>
+            <a:r>
+              <a:rPr lang="fr-FR" i="1" dirty="0"/>
+              <a:t> Inversion </a:t>
+            </a:r>
+            <a:r>
+              <a:rPr lang="fr-FR" i="1" dirty="0" err="1"/>
+              <a:t>Principle</a:t>
+            </a:r>
+            <a:r>
+              <a:rPr lang="fr-FR" i="1" dirty="0"/>
+              <a:t> (DIP)</a:t>
+            </a:r>
+            <a:r>
+              <a:rPr lang="fr-FR" dirty="0"/>
+              <a:t>, est l’un des </a:t>
+            </a:r>
+            <a:r>
+              <a:rPr lang="fr-FR" dirty="0">
+                <a:hlinkClick r:id="rId2"/>
+              </a:rPr>
+              <a:t>5 principes SOLID</a:t>
+            </a:r>
+            <a:r>
+              <a:rPr lang="fr-FR" dirty="0"/>
+              <a:t> : c’en est le “D”</a:t>
+            </a:r>
+          </a:p>
+          <a:p>
+            <a:r>
+              <a:rPr lang="fr-FR" dirty="0"/>
+              <a:t>Les modules de haut niveau ne doivent pas dépendre des modules de bas niveau. Les deux doivent dépendre d’abstractions.</a:t>
+            </a:r>
+          </a:p>
+          <a:p>
+            <a:r>
+              <a:rPr lang="fr-FR" dirty="0"/>
+              <a:t>Les abstractions ne doivent pas dépendre des détails. Les détails doivent dépendre des abstractions.</a:t>
+            </a:r>
+          </a:p>
+          <a:p>
+            <a:endParaRPr lang="fr-FR" dirty="0"/>
+          </a:p>
+        </p:txBody>
+      </p:sp>
+      <p:sp>
+        <p:nvSpPr>
+          <p:cNvPr id="4" name="Espace réservé du pied de page 3">
+            <a:extLst>
+              <a:ext uri="{FF2B5EF4-FFF2-40B4-BE49-F238E27FC236}">
+                <a16:creationId xmlns:a16="http://schemas.microsoft.com/office/drawing/2014/main" id="{2195DA65-364D-7BD5-EEB1-249DD6745B31}"/>
+              </a:ext>
+            </a:extLst>
+          </p:cNvPr>
+          <p:cNvSpPr>
+            <a:spLocks noGrp="1"/>
+          </p:cNvSpPr>
+          <p:nvPr>
+            <p:ph type="ftr" sz="quarter" idx="11"/>
+          </p:nvPr>
+        </p:nvSpPr>
+        <p:spPr/>
+        <p:txBody>
+          <a:bodyPr/>
+          <a:lstStyle/>
+          <a:p>
+            <a:r>
+              <a:rPr lang="fr-FR"/>
+              <a:t>Ihab   A B A D I   -   U T O P I O S   </a:t>
+            </a:r>
+          </a:p>
+        </p:txBody>
+      </p:sp>
+      <p:sp>
+        <p:nvSpPr>
+          <p:cNvPr id="5" name="Espace réservé du numéro de diapositive 4">
+            <a:extLst>
+              <a:ext uri="{FF2B5EF4-FFF2-40B4-BE49-F238E27FC236}">
+                <a16:creationId xmlns:a16="http://schemas.microsoft.com/office/drawing/2014/main" id="{D4166FC8-FF62-DD27-0837-3589F20D313D}"/>
+              </a:ext>
+            </a:extLst>
+          </p:cNvPr>
+          <p:cNvSpPr>
+            <a:spLocks noGrp="1"/>
+          </p:cNvSpPr>
+          <p:nvPr>
+            <p:ph type="sldNum" sz="quarter" idx="12"/>
+          </p:nvPr>
+        </p:nvSpPr>
+        <p:spPr/>
+        <p:txBody>
+          <a:bodyPr/>
+          <a:lstStyle/>
+          <a:p>
+            <a:fld id="{30C08E44-961C-1C42-9C6E-741617B50B11}" type="slidenum">
+              <a:rPr lang="fr-FR" smtClean="0"/>
+              <a:t>11</a:t>
+            </a:fld>
+            <a:endParaRPr lang="fr-FR"/>
+          </a:p>
+        </p:txBody>
+      </p:sp>
+      <p:pic>
+        <p:nvPicPr>
+          <p:cNvPr id="3074" name="Picture 2" descr="Class diagram #2">
+            <a:extLst>
+              <a:ext uri="{FF2B5EF4-FFF2-40B4-BE49-F238E27FC236}">
+                <a16:creationId xmlns:a16="http://schemas.microsoft.com/office/drawing/2014/main" id="{EB9D7CD6-6C4E-0041-A186-2129B303761E}"/>
+              </a:ext>
+            </a:extLst>
+          </p:cNvPr>
+          <p:cNvPicPr>
+            <a:picLocks noChangeAspect="1" noChangeArrowheads="1"/>
+          </p:cNvPicPr>
+          <p:nvPr/>
+        </p:nvPicPr>
+        <p:blipFill>
+          <a:blip r:embed="rId3">
+            <a:extLst>
+              <a:ext uri="{28A0092B-C50C-407E-A947-70E740481C1C}">
+                <a14:useLocalDpi xmlns:a14="http://schemas.microsoft.com/office/drawing/2010/main" val="0"/>
+              </a:ext>
+            </a:extLst>
+          </a:blip>
+          <a:srcRect/>
+          <a:stretch>
+            <a:fillRect/>
+          </a:stretch>
+        </p:blipFill>
+        <p:spPr bwMode="auto">
+          <a:xfrm>
+            <a:off x="6980767" y="2860785"/>
+            <a:ext cx="4373033" cy="1777889"/>
           </a:xfrm>
           <a:prstGeom prst="rect">
             <a:avLst/>
           </a:prstGeom>
-          <a:ln/>
+          <a:noFill/>
+          <a:extLst>
+            <a:ext uri="{909E8E84-426E-40DD-AFC4-6F175D3DCCD1}">
+              <a14:hiddenFill xmlns:a14="http://schemas.microsoft.com/office/drawing/2010/main">
+                <a:solidFill>
+                  <a:srgbClr val="FFFFFF"/>
+                </a:solidFill>
+              </a14:hiddenFill>
+            </a:ext>
+          </a:extLst>
         </p:spPr>
-        <p:style>
-          <a:lnRef idx="3">
-            <a:schemeClr val="lt1"/>
-          </a:lnRef>
-          <a:fillRef idx="1">
-            <a:schemeClr val="accent4"/>
-          </a:fillRef>
-          <a:effectRef idx="1">
-            <a:schemeClr val="accent4"/>
-          </a:effectRef>
-          <a:fontRef idx="minor">
-            <a:schemeClr val="lt1"/>
-          </a:fontRef>
-        </p:style>
-        <p:txBody>
-          <a:bodyPr rtlCol="0" anchor="ctr"/>
-          <a:lstStyle/>
-          <a:p>
-            <a:pPr marL="0" marR="0" lvl="0" indent="0" algn="ctr" defTabSz="914400" rtl="0" eaLnBrk="1" fontAlgn="auto" latinLnBrk="0" hangingPunct="1">
-              <a:lnSpc>
-                <a:spcPct val="100000"/>
-              </a:lnSpc>
-              <a:spcBef>
-                <a:spcPts val="0"/>
-              </a:spcBef>
-              <a:spcAft>
-                <a:spcPts val="0"/>
-              </a:spcAft>
-              <a:buClrTx/>
-              <a:buSzTx/>
-              <a:buFontTx/>
-              <a:buNone/>
-              <a:tabLst/>
-              <a:defRPr/>
-            </a:pPr>
-            <a:r>
-              <a:rPr kumimoji="0" lang="fr-FR" sz="1800" b="0" i="0" u="none" strike="noStrike" kern="1200" cap="none" spc="0" normalizeH="0" baseline="0" noProof="0" dirty="0">
-                <a:ln>
-                  <a:noFill/>
-                </a:ln>
-                <a:solidFill>
-                  <a:prstClr val="white"/>
-                </a:solidFill>
-                <a:effectLst/>
-                <a:uLnTx/>
-                <a:uFillTx/>
-                <a:latin typeface="Calibri" panose="020F0502020204030204"/>
-                <a:ea typeface="+mn-ea"/>
-                <a:cs typeface="+mn-cs"/>
-              </a:rPr>
-              <a:t>TP</a:t>
-            </a:r>
-          </a:p>
-        </p:txBody>
-      </p:sp>
-      <p:sp>
-        <p:nvSpPr>
-          <p:cNvPr id="6" name="Titre 5">
-            <a:extLst>
-              <a:ext uri="{FF2B5EF4-FFF2-40B4-BE49-F238E27FC236}">
-                <a16:creationId xmlns:a16="http://schemas.microsoft.com/office/drawing/2014/main" id="{42AFDAA5-8E7F-1998-2D26-35D046282D62}"/>
-              </a:ext>
-            </a:extLst>
-          </p:cNvPr>
-          <p:cNvSpPr>
-            <a:spLocks noGrp="1"/>
-          </p:cNvSpPr>
-          <p:nvPr>
-            <p:ph type="title"/>
-          </p:nvPr>
-        </p:nvSpPr>
-        <p:spPr/>
-        <p:txBody>
-          <a:bodyPr/>
-          <a:lstStyle/>
-          <a:p>
-            <a:r>
-              <a:rPr lang="fr-FR" dirty="0"/>
-              <a:t>Suite api Gestion de commandes</a:t>
-            </a:r>
-          </a:p>
-        </p:txBody>
-      </p:sp>
-      <p:sp>
-        <p:nvSpPr>
-          <p:cNvPr id="7" name="Espace réservé du contenu 2">
-            <a:extLst>
-              <a:ext uri="{FF2B5EF4-FFF2-40B4-BE49-F238E27FC236}">
-                <a16:creationId xmlns:a16="http://schemas.microsoft.com/office/drawing/2014/main" id="{E92BA58E-F015-C212-7E6D-A7F7F6336FD8}"/>
-              </a:ext>
-            </a:extLst>
-          </p:cNvPr>
-          <p:cNvSpPr>
-            <a:spLocks noGrp="1"/>
-          </p:cNvSpPr>
-          <p:nvPr>
-            <p:ph idx="1"/>
-          </p:nvPr>
-        </p:nvSpPr>
-        <p:spPr>
-          <a:xfrm>
-            <a:off x="838200" y="1825625"/>
-            <a:ext cx="10515600" cy="4351338"/>
-          </a:xfrm>
-        </p:spPr>
-        <p:txBody>
-          <a:bodyPr>
-            <a:normAutofit/>
-          </a:bodyPr>
-          <a:lstStyle/>
-          <a:p>
-            <a:r>
-              <a:rPr lang="fr-FR" dirty="0"/>
-              <a:t>En utilisant les principes d’injection de dépendance et Inversion de contrôles : </a:t>
-            </a:r>
-          </a:p>
-          <a:p>
-            <a:pPr lvl="1"/>
-            <a:r>
-              <a:rPr lang="fr-FR" dirty="0"/>
-              <a:t>Ajouter des classes repository pour gérer les interactions avec la base de données.</a:t>
-            </a:r>
-          </a:p>
-          <a:p>
-            <a:pPr lvl="1"/>
-            <a:r>
-              <a:rPr lang="fr-FR" dirty="0"/>
-              <a:t>Faire en sorte que les classes repository et services soit générer automatiquement.</a:t>
-            </a:r>
-          </a:p>
-        </p:txBody>
-      </p:sp>
+      </p:pic>
     </p:spTree>
     <p:extLst>
       <p:ext uri="{BB962C8B-B14F-4D97-AF65-F5344CB8AC3E}">
-        <p14:creationId xmlns:p14="http://schemas.microsoft.com/office/powerpoint/2010/main" val="1583401723"/>
+        <p14:creationId xmlns:p14="http://schemas.microsoft.com/office/powerpoint/2010/main" val="3885400119"/>
       </p:ext>
     </p:extLst>
   </p:cSld>
@@ -7891,13 +7935,13 @@
         <p:spPr/>
         <p:txBody>
           <a:bodyPr>
-            <a:normAutofit/>
+            <a:normAutofit fontScale="90000"/>
           </a:bodyPr>
           <a:lstStyle/>
           <a:p>
             <a:r>
               <a:rPr lang="fr-FR" dirty="0"/>
-              <a:t>Flask – Ecriture des tests</a:t>
+              <a:t>Flask – Injection de dépendance et inversion de contrôle </a:t>
             </a:r>
           </a:p>
         </p:txBody>
@@ -7927,60 +7971,67 @@
           <a:p>
             <a:r>
               <a:rPr lang="fr-FR" dirty="0"/>
-              <a:t>Pour s'assurer que notre application fonctionne correctement même après de modifications, nous pouvons :</a:t>
-            </a:r>
-          </a:p>
-          <a:p>
-            <a:pPr lvl="1"/>
-            <a:r>
-              <a:rPr lang="fr-FR" dirty="0"/>
-              <a:t>Automatiser les tests manuels répétitifs en réduisant les erreurs humaines</a:t>
-            </a:r>
-          </a:p>
-          <a:p>
-            <a:r>
-              <a:rPr lang="fr-FR" dirty="0"/>
-              <a:t>Intégrer les tests dans un process CI/CD.</a:t>
-            </a:r>
-          </a:p>
-          <a:p>
-            <a:r>
-              <a:rPr lang="fr-FR" dirty="0"/>
-              <a:t>Pour écrire les différents tests de notre api, nous pouvons :</a:t>
-            </a:r>
-          </a:p>
-          <a:p>
-            <a:pPr lvl="1"/>
-            <a:r>
-              <a:rPr lang="fr-FR" dirty="0"/>
-              <a:t>Utiliser les objets tests de Flask pour simuler les différentes requêtes vers notre api.</a:t>
-            </a:r>
-          </a:p>
-          <a:p>
-            <a:pPr lvl="1"/>
-            <a:r>
-              <a:rPr lang="fr-FR" dirty="0"/>
-              <a:t>Utiliser notre </a:t>
+              <a:t>L’inversion de contrôle, </a:t>
+            </a:r>
+            <a:r>
+              <a:rPr lang="fr-FR" i="1" dirty="0"/>
+              <a:t>Inversion of control (</a:t>
+            </a:r>
+            <a:r>
+              <a:rPr lang="fr-FR" i="1" dirty="0" err="1"/>
+              <a:t>IoC</a:t>
+            </a:r>
+            <a:r>
+              <a:rPr lang="fr-FR" i="1" dirty="0"/>
+              <a:t>),</a:t>
+            </a:r>
+            <a:r>
+              <a:rPr lang="fr-FR" dirty="0"/>
+              <a:t> consiste à déléguer une partie du “contrôle” à l’extérieur de l’élément courant dans un système. </a:t>
+            </a:r>
+          </a:p>
+          <a:p>
+            <a:r>
+              <a:rPr lang="fr-FR" dirty="0"/>
+              <a:t>Au départ, </a:t>
             </a:r>
             <a:r>
               <a:rPr lang="fr-FR" dirty="0" err="1"/>
-              <a:t>framework</a:t>
-            </a:r>
-            <a:r>
-              <a:rPr lang="fr-FR" dirty="0"/>
-              <a:t> de test </a:t>
+              <a:t>CalculatorDataService</a:t>
+            </a:r>
+            <a:r>
+              <a:rPr lang="fr-FR" dirty="0"/>
+              <a:t> contrôlait l’instanciation de ses dépendances. </a:t>
+            </a:r>
+          </a:p>
+          <a:p>
+            <a:r>
+              <a:rPr lang="fr-FR" dirty="0"/>
+              <a:t>Après le premier </a:t>
             </a:r>
             <a:r>
               <a:rPr lang="fr-FR" dirty="0" err="1"/>
-              <a:t>pytest</a:t>
-            </a:r>
-            <a:endParaRPr lang="fr-FR" dirty="0"/>
-          </a:p>
-          <a:p>
-            <a:pPr lvl="1"/>
-            <a:r>
-              <a:rPr lang="fr-FR" dirty="0"/>
-              <a:t>Démo</a:t>
+              <a:t>refactoring</a:t>
+            </a:r>
+            <a:r>
+              <a:rPr lang="fr-FR" dirty="0"/>
+              <a:t> (mettant en place l’injection de dépendances), </a:t>
+            </a:r>
+            <a:r>
+              <a:rPr lang="fr-FR" dirty="0" err="1"/>
+              <a:t>CalculatorDataService</a:t>
+            </a:r>
+            <a:r>
+              <a:rPr lang="fr-FR" dirty="0"/>
+              <a:t> a perdu ce contrôle. Il y a eu une inversion du flux de contrôle. On constate donc que l’injection de dépendances est une forme </a:t>
+            </a:r>
+            <a:r>
+              <a:rPr lang="fr-FR" dirty="0" err="1"/>
+              <a:t>d’IoC</a:t>
+            </a:r>
+            <a:r>
+              <a:rPr lang="fr-FR" dirty="0"/>
+              <a:t>.</a:t>
             </a:r>
           </a:p>
         </p:txBody>
@@ -8037,6 +8088,392 @@
             <a:fld id="{30C08E44-961C-1C42-9C6E-741617B50B11}" type="slidenum">
               <a:rPr lang="fr-FR" smtClean="0"/>
               <a:t>12</a:t>
+            </a:fld>
+            <a:endParaRPr lang="fr-FR"/>
+          </a:p>
+        </p:txBody>
+      </p:sp>
+    </p:spTree>
+    <p:extLst>
+      <p:ext uri="{BB962C8B-B14F-4D97-AF65-F5344CB8AC3E}">
+        <p14:creationId xmlns:p14="http://schemas.microsoft.com/office/powerpoint/2010/main" val="108930032"/>
+      </p:ext>
+    </p:extLst>
+  </p:cSld>
+  <p:clrMapOvr>
+    <a:masterClrMapping/>
+  </p:clrMapOvr>
+</p:sld>
+</file>
+
+<file path=ppt/slides/slide13.xml><?xml version="1.0" encoding="utf-8"?>
+<p:sld xmlns:a="http://schemas.openxmlformats.org/drawingml/2006/main" xmlns:r="http://schemas.openxmlformats.org/officeDocument/2006/relationships" xmlns:p="http://schemas.openxmlformats.org/presentationml/2006/main">
+  <p:cSld>
+    <p:spTree>
+      <p:nvGrpSpPr>
+        <p:cNvPr id="1" name=""/>
+        <p:cNvGrpSpPr/>
+        <p:nvPr/>
+      </p:nvGrpSpPr>
+      <p:grpSpPr>
+        <a:xfrm>
+          <a:off x="0" y="0"/>
+          <a:ext cx="0" cy="0"/>
+          <a:chOff x="0" y="0"/>
+          <a:chExt cx="0" cy="0"/>
+        </a:xfrm>
+      </p:grpSpPr>
+      <p:sp>
+        <p:nvSpPr>
+          <p:cNvPr id="4" name="Rectangle 3">
+            <a:extLst>
+              <a:ext uri="{FF2B5EF4-FFF2-40B4-BE49-F238E27FC236}">
+                <a16:creationId xmlns:a16="http://schemas.microsoft.com/office/drawing/2014/main" id="{FFE4CB5F-1540-AD91-801F-01E1C2AB613D}"/>
+              </a:ext>
+            </a:extLst>
+          </p:cNvPr>
+          <p:cNvSpPr>
+            <a:spLocks/>
+          </p:cNvSpPr>
+          <p:nvPr/>
+        </p:nvSpPr>
+        <p:spPr>
+          <a:xfrm>
+            <a:off x="9393116" y="584826"/>
+            <a:ext cx="2105146" cy="706056"/>
+          </a:xfrm>
+          <a:prstGeom prst="rect">
+            <a:avLst/>
+          </a:prstGeom>
+          <a:ln/>
+        </p:spPr>
+        <p:style>
+          <a:lnRef idx="3">
+            <a:schemeClr val="lt1"/>
+          </a:lnRef>
+          <a:fillRef idx="1">
+            <a:schemeClr val="accent4"/>
+          </a:fillRef>
+          <a:effectRef idx="1">
+            <a:schemeClr val="accent4"/>
+          </a:effectRef>
+          <a:fontRef idx="minor">
+            <a:schemeClr val="lt1"/>
+          </a:fontRef>
+        </p:style>
+        <p:txBody>
+          <a:bodyPr rtlCol="0" anchor="ctr"/>
+          <a:lstStyle/>
+          <a:p>
+            <a:pPr marL="0" marR="0" lvl="0" indent="0" algn="ctr" defTabSz="914400" rtl="0" eaLnBrk="1" fontAlgn="auto" latinLnBrk="0" hangingPunct="1">
+              <a:lnSpc>
+                <a:spcPct val="100000"/>
+              </a:lnSpc>
+              <a:spcBef>
+                <a:spcPts val="0"/>
+              </a:spcBef>
+              <a:spcAft>
+                <a:spcPts val="0"/>
+              </a:spcAft>
+              <a:buClrTx/>
+              <a:buSzTx/>
+              <a:buFontTx/>
+              <a:buNone/>
+              <a:tabLst/>
+              <a:defRPr/>
+            </a:pPr>
+            <a:r>
+              <a:rPr kumimoji="0" lang="fr-FR" sz="1800" b="0" i="0" u="none" strike="noStrike" kern="1200" cap="none" spc="0" normalizeH="0" baseline="0" noProof="0" dirty="0">
+                <a:ln>
+                  <a:noFill/>
+                </a:ln>
+                <a:solidFill>
+                  <a:prstClr val="white"/>
+                </a:solidFill>
+                <a:effectLst/>
+                <a:uLnTx/>
+                <a:uFillTx/>
+                <a:latin typeface="Calibri" panose="020F0502020204030204"/>
+                <a:ea typeface="+mn-ea"/>
+                <a:cs typeface="+mn-cs"/>
+              </a:rPr>
+              <a:t>TP</a:t>
+            </a:r>
+          </a:p>
+        </p:txBody>
+      </p:sp>
+      <p:sp>
+        <p:nvSpPr>
+          <p:cNvPr id="6" name="Titre 5">
+            <a:extLst>
+              <a:ext uri="{FF2B5EF4-FFF2-40B4-BE49-F238E27FC236}">
+                <a16:creationId xmlns:a16="http://schemas.microsoft.com/office/drawing/2014/main" id="{42AFDAA5-8E7F-1998-2D26-35D046282D62}"/>
+              </a:ext>
+            </a:extLst>
+          </p:cNvPr>
+          <p:cNvSpPr>
+            <a:spLocks noGrp="1"/>
+          </p:cNvSpPr>
+          <p:nvPr>
+            <p:ph type="title"/>
+          </p:nvPr>
+        </p:nvSpPr>
+        <p:spPr/>
+        <p:txBody>
+          <a:bodyPr/>
+          <a:lstStyle/>
+          <a:p>
+            <a:r>
+              <a:rPr lang="fr-FR" dirty="0"/>
+              <a:t>Suite api Gestion de commandes</a:t>
+            </a:r>
+          </a:p>
+        </p:txBody>
+      </p:sp>
+      <p:sp>
+        <p:nvSpPr>
+          <p:cNvPr id="7" name="Espace réservé du contenu 2">
+            <a:extLst>
+              <a:ext uri="{FF2B5EF4-FFF2-40B4-BE49-F238E27FC236}">
+                <a16:creationId xmlns:a16="http://schemas.microsoft.com/office/drawing/2014/main" id="{E92BA58E-F015-C212-7E6D-A7F7F6336FD8}"/>
+              </a:ext>
+            </a:extLst>
+          </p:cNvPr>
+          <p:cNvSpPr>
+            <a:spLocks noGrp="1"/>
+          </p:cNvSpPr>
+          <p:nvPr>
+            <p:ph idx="1"/>
+          </p:nvPr>
+        </p:nvSpPr>
+        <p:spPr>
+          <a:xfrm>
+            <a:off x="838200" y="1825625"/>
+            <a:ext cx="10515600" cy="4351338"/>
+          </a:xfrm>
+        </p:spPr>
+        <p:txBody>
+          <a:bodyPr>
+            <a:normAutofit/>
+          </a:bodyPr>
+          <a:lstStyle/>
+          <a:p>
+            <a:r>
+              <a:rPr lang="fr-FR" dirty="0"/>
+              <a:t>En utilisant les principes d’injection de dépendance et Inversion de contrôles : </a:t>
+            </a:r>
+          </a:p>
+          <a:p>
+            <a:pPr lvl="1"/>
+            <a:r>
+              <a:rPr lang="fr-FR" dirty="0"/>
+              <a:t>Ajouter des classes repository pour gérer les interactions avec la base de données.</a:t>
+            </a:r>
+          </a:p>
+          <a:p>
+            <a:pPr lvl="1"/>
+            <a:r>
+              <a:rPr lang="fr-FR" dirty="0"/>
+              <a:t>Faire en sorte que les classes repository et services soit générer automatiquement.</a:t>
+            </a:r>
+          </a:p>
+        </p:txBody>
+      </p:sp>
+    </p:spTree>
+    <p:extLst>
+      <p:ext uri="{BB962C8B-B14F-4D97-AF65-F5344CB8AC3E}">
+        <p14:creationId xmlns:p14="http://schemas.microsoft.com/office/powerpoint/2010/main" val="1583401723"/>
+      </p:ext>
+    </p:extLst>
+  </p:cSld>
+  <p:clrMapOvr>
+    <a:masterClrMapping/>
+  </p:clrMapOvr>
+</p:sld>
+</file>
+
+<file path=ppt/slides/slide14.xml><?xml version="1.0" encoding="utf-8"?>
+<p:sld xmlns:a="http://schemas.openxmlformats.org/drawingml/2006/main" xmlns:r="http://schemas.openxmlformats.org/officeDocument/2006/relationships" xmlns:p="http://schemas.openxmlformats.org/presentationml/2006/main">
+  <p:cSld>
+    <p:spTree>
+      <p:nvGrpSpPr>
+        <p:cNvPr id="1" name=""/>
+        <p:cNvGrpSpPr/>
+        <p:nvPr/>
+      </p:nvGrpSpPr>
+      <p:grpSpPr>
+        <a:xfrm>
+          <a:off x="0" y="0"/>
+          <a:ext cx="0" cy="0"/>
+          <a:chOff x="0" y="0"/>
+          <a:chExt cx="0" cy="0"/>
+        </a:xfrm>
+      </p:grpSpPr>
+      <p:sp>
+        <p:nvSpPr>
+          <p:cNvPr id="2" name="Titre 1">
+            <a:extLst>
+              <a:ext uri="{FF2B5EF4-FFF2-40B4-BE49-F238E27FC236}">
+                <a16:creationId xmlns:a16="http://schemas.microsoft.com/office/drawing/2014/main" id="{F8DA1E1A-2663-3554-42AF-BEA2614AF411}"/>
+              </a:ext>
+            </a:extLst>
+          </p:cNvPr>
+          <p:cNvSpPr>
+            <a:spLocks noGrp="1"/>
+          </p:cNvSpPr>
+          <p:nvPr>
+            <p:ph type="title"/>
+          </p:nvPr>
+        </p:nvSpPr>
+        <p:spPr/>
+        <p:txBody>
+          <a:bodyPr>
+            <a:normAutofit/>
+          </a:bodyPr>
+          <a:lstStyle/>
+          <a:p>
+            <a:r>
+              <a:rPr lang="fr-FR" dirty="0"/>
+              <a:t>Flask – Ecriture des tests</a:t>
+            </a:r>
+          </a:p>
+        </p:txBody>
+      </p:sp>
+      <p:sp>
+        <p:nvSpPr>
+          <p:cNvPr id="3" name="Espace réservé du contenu 2">
+            <a:extLst>
+              <a:ext uri="{FF2B5EF4-FFF2-40B4-BE49-F238E27FC236}">
+                <a16:creationId xmlns:a16="http://schemas.microsoft.com/office/drawing/2014/main" id="{75EB2FC0-90DC-6FFE-64E8-AC3A53C73EA4}"/>
+              </a:ext>
+            </a:extLst>
+          </p:cNvPr>
+          <p:cNvSpPr>
+            <a:spLocks noGrp="1"/>
+          </p:cNvSpPr>
+          <p:nvPr>
+            <p:ph idx="1"/>
+          </p:nvPr>
+        </p:nvSpPr>
+        <p:spPr/>
+        <p:txBody>
+          <a:bodyPr>
+            <a:normAutofit/>
+          </a:bodyPr>
+          <a:lstStyle/>
+          <a:p>
+            <a:r>
+              <a:rPr lang="fr-FR" dirty="0"/>
+              <a:t>Pour s'assurer que notre application fonctionne correctement même après de modifications, nous pouvons :</a:t>
+            </a:r>
+          </a:p>
+          <a:p>
+            <a:pPr lvl="1"/>
+            <a:r>
+              <a:rPr lang="fr-FR" dirty="0"/>
+              <a:t>Automatiser les tests manuels répétitifs en réduisant les erreurs humaines</a:t>
+            </a:r>
+          </a:p>
+          <a:p>
+            <a:r>
+              <a:rPr lang="fr-FR" dirty="0"/>
+              <a:t>Intégrer les tests dans un process CI/CD.</a:t>
+            </a:r>
+          </a:p>
+          <a:p>
+            <a:r>
+              <a:rPr lang="fr-FR" dirty="0"/>
+              <a:t>Pour écrire les différents tests de notre api, nous pouvons :</a:t>
+            </a:r>
+          </a:p>
+          <a:p>
+            <a:pPr lvl="1"/>
+            <a:r>
+              <a:rPr lang="fr-FR" dirty="0"/>
+              <a:t>Utiliser les objets tests de Flask pour simuler les différentes requêtes vers notre api.</a:t>
+            </a:r>
+          </a:p>
+          <a:p>
+            <a:pPr lvl="1"/>
+            <a:r>
+              <a:rPr lang="fr-FR" dirty="0"/>
+              <a:t>Utiliser notre </a:t>
+            </a:r>
+            <a:r>
+              <a:rPr lang="fr-FR" dirty="0" err="1"/>
+              <a:t>framework</a:t>
+            </a:r>
+            <a:r>
+              <a:rPr lang="fr-FR" dirty="0"/>
+              <a:t> de test </a:t>
+            </a:r>
+            <a:r>
+              <a:rPr lang="fr-FR" dirty="0" err="1"/>
+              <a:t>pytest</a:t>
+            </a:r>
+            <a:endParaRPr lang="fr-FR" dirty="0"/>
+          </a:p>
+          <a:p>
+            <a:pPr lvl="1"/>
+            <a:r>
+              <a:rPr lang="fr-FR" dirty="0"/>
+              <a:t>Démo</a:t>
+            </a:r>
+          </a:p>
+        </p:txBody>
+      </p:sp>
+      <p:sp>
+        <p:nvSpPr>
+          <p:cNvPr id="4" name="Espace réservé du pied de page 3">
+            <a:extLst>
+              <a:ext uri="{FF2B5EF4-FFF2-40B4-BE49-F238E27FC236}">
+                <a16:creationId xmlns:a16="http://schemas.microsoft.com/office/drawing/2014/main" id="{2195DA65-364D-7BD5-EEB1-249DD6745B31}"/>
+              </a:ext>
+            </a:extLst>
+          </p:cNvPr>
+          <p:cNvSpPr>
+            <a:spLocks noGrp="1"/>
+          </p:cNvSpPr>
+          <p:nvPr>
+            <p:ph type="ftr" sz="quarter" idx="11"/>
+          </p:nvPr>
+        </p:nvSpPr>
+        <p:spPr/>
+        <p:txBody>
+          <a:bodyPr/>
+          <a:lstStyle/>
+          <a:p>
+            <a:r>
+              <a:rPr lang="fr-FR"/>
+              <a:t>Ihab   A B A D I   -   U T O P I O S   </a:t>
+            </a:r>
+          </a:p>
+        </p:txBody>
+      </p:sp>
+      <p:sp>
+        <p:nvSpPr>
+          <p:cNvPr id="5" name="Espace réservé du numéro de diapositive 4">
+            <a:extLst>
+              <a:ext uri="{FF2B5EF4-FFF2-40B4-BE49-F238E27FC236}">
+                <a16:creationId xmlns:a16="http://schemas.microsoft.com/office/drawing/2014/main" id="{D4166FC8-FF62-DD27-0837-3589F20D313D}"/>
+              </a:ext>
+            </a:extLst>
+          </p:cNvPr>
+          <p:cNvSpPr>
+            <a:spLocks noGrp="1"/>
+          </p:cNvSpPr>
+          <p:nvPr>
+            <p:ph type="sldNum" sz="quarter" idx="12"/>
+          </p:nvPr>
+        </p:nvSpPr>
+        <p:spPr/>
+        <p:txBody>
+          <a:bodyPr/>
+          <a:lstStyle/>
+          <a:p>
+            <a:fld id="{30C08E44-961C-1C42-9C6E-741617B50B11}" type="slidenum">
+              <a:rPr lang="fr-FR" smtClean="0"/>
+              <a:t>14</a:t>
             </a:fld>
             <a:endParaRPr lang="fr-FR"/>
           </a:p>
@@ -8055,7 +8492,7 @@
 </p:sld>
 </file>
 
-<file path=ppt/slides/slide13.xml><?xml version="1.0" encoding="utf-8"?>
+<file path=ppt/slides/slide15.xml><?xml version="1.0" encoding="utf-8"?>
 <p:sld xmlns:a="http://schemas.openxmlformats.org/drawingml/2006/main" xmlns:r="http://schemas.openxmlformats.org/officeDocument/2006/relationships" xmlns:p="http://schemas.openxmlformats.org/presentationml/2006/main">
   <p:cSld>
     <p:spTree>
@@ -8301,10 +8738,15 @@
             <p:ph idx="1"/>
           </p:nvPr>
         </p:nvSpPr>
-        <p:spPr/>
+        <p:spPr>
+          <a:xfrm>
+            <a:off x="838200" y="1825625"/>
+            <a:ext cx="6011333" cy="4351338"/>
+          </a:xfrm>
+        </p:spPr>
         <p:txBody>
           <a:bodyPr>
-            <a:normAutofit/>
+            <a:normAutofit fontScale="85000" lnSpcReduction="20000"/>
           </a:bodyPr>
           <a:lstStyle/>
           <a:p>
@@ -8328,6 +8770,41 @@
               <a:rPr lang="fr-FR" dirty="0"/>
               <a:t> et les base de données.</a:t>
             </a:r>
+          </a:p>
+          <a:p>
+            <a:r>
+              <a:rPr lang="fr-FR" dirty="0"/>
+              <a:t>Installation Flask-</a:t>
+            </a:r>
+            <a:r>
+              <a:rPr lang="fr-FR" dirty="0" err="1"/>
+              <a:t>SQLAlchemy</a:t>
+            </a:r>
+            <a:r>
+              <a:rPr lang="fr-FR" dirty="0"/>
+              <a:t> : </a:t>
+            </a:r>
+            <a:r>
+              <a:rPr lang="fr-FR" dirty="0" err="1"/>
+              <a:t>pip</a:t>
+            </a:r>
+            <a:r>
+              <a:rPr lang="fr-FR" dirty="0"/>
+              <a:t> </a:t>
+            </a:r>
+            <a:r>
+              <a:rPr lang="fr-FR" dirty="0" err="1"/>
+              <a:t>install</a:t>
+            </a:r>
+            <a:r>
+              <a:rPr lang="fr-FR" dirty="0"/>
+              <a:t> </a:t>
+            </a:r>
+            <a:r>
+              <a:rPr lang="fr-FR" dirty="0" err="1"/>
+              <a:t>flask-sqlalchemy</a:t>
+            </a:r>
+            <a:endParaRPr lang="fr-FR" dirty="0"/>
           </a:p>
           <a:p>
             <a:r>
@@ -8454,7 +8931,7 @@
         </p:nvSpPr>
         <p:spPr>
           <a:xfrm>
-            <a:off x="6096000" y="4363370"/>
+            <a:off x="6434667" y="1933436"/>
             <a:ext cx="8280399" cy="1754326"/>
           </a:xfrm>
           <a:prstGeom prst="rect">
@@ -9087,178 +9564,424 @@
       </p:grpSpPr>
       <p:sp>
         <p:nvSpPr>
-          <p:cNvPr id="4" name="Rectangle 3">
-            <a:extLst>
-              <a:ext uri="{FF2B5EF4-FFF2-40B4-BE49-F238E27FC236}">
-                <a16:creationId xmlns:a16="http://schemas.microsoft.com/office/drawing/2014/main" id="{FFE4CB5F-1540-AD91-801F-01E1C2AB613D}"/>
-              </a:ext>
-            </a:extLst>
-          </p:cNvPr>
-          <p:cNvSpPr>
-            <a:spLocks/>
-          </p:cNvSpPr>
-          <p:nvPr/>
+          <p:cNvPr id="2" name="Titre 1">
+            <a:extLst>
+              <a:ext uri="{FF2B5EF4-FFF2-40B4-BE49-F238E27FC236}">
+                <a16:creationId xmlns:a16="http://schemas.microsoft.com/office/drawing/2014/main" id="{F8DA1E1A-2663-3554-42AF-BEA2614AF411}"/>
+              </a:ext>
+            </a:extLst>
+          </p:cNvPr>
+          <p:cNvSpPr>
+            <a:spLocks noGrp="1"/>
+          </p:cNvSpPr>
+          <p:nvPr>
+            <p:ph type="title"/>
+          </p:nvPr>
+        </p:nvSpPr>
+        <p:spPr/>
+        <p:txBody>
+          <a:bodyPr>
+            <a:normAutofit fontScale="90000"/>
+          </a:bodyPr>
+          <a:lstStyle/>
+          <a:p>
+            <a:r>
+              <a:rPr lang="fr-FR" dirty="0"/>
+              <a:t>Flask – Flask-</a:t>
+            </a:r>
+            <a:r>
+              <a:rPr lang="fr-FR" dirty="0" err="1"/>
+              <a:t>SQLAlchemy</a:t>
+            </a:r>
+            <a:r>
+              <a:rPr lang="fr-FR" dirty="0"/>
+              <a:t> – Démo – initialisation </a:t>
+            </a:r>
+          </a:p>
+        </p:txBody>
+      </p:sp>
+      <p:sp>
+        <p:nvSpPr>
+          <p:cNvPr id="3" name="Espace réservé du contenu 2">
+            <a:extLst>
+              <a:ext uri="{FF2B5EF4-FFF2-40B4-BE49-F238E27FC236}">
+                <a16:creationId xmlns:a16="http://schemas.microsoft.com/office/drawing/2014/main" id="{75EB2FC0-90DC-6FFE-64E8-AC3A53C73EA4}"/>
+              </a:ext>
+            </a:extLst>
+          </p:cNvPr>
+          <p:cNvSpPr>
+            <a:spLocks noGrp="1"/>
+          </p:cNvSpPr>
+          <p:nvPr>
+            <p:ph idx="1"/>
+          </p:nvPr>
         </p:nvSpPr>
         <p:spPr>
           <a:xfrm>
-            <a:off x="9393116" y="584826"/>
-            <a:ext cx="2105146" cy="706056"/>
+            <a:off x="838200" y="1825625"/>
+            <a:ext cx="5884333" cy="4351338"/>
+          </a:xfrm>
+        </p:spPr>
+        <p:txBody>
+          <a:bodyPr/>
+          <a:lstStyle/>
+          <a:p>
+            <a:r>
+              <a:rPr lang="fr-FR" dirty="0"/>
+              <a:t>L’initialisation de la </a:t>
+            </a:r>
+            <a:r>
+              <a:rPr lang="fr-FR" dirty="0" err="1"/>
+              <a:t>db</a:t>
+            </a:r>
+            <a:r>
+              <a:rPr lang="fr-FR" dirty="0"/>
+              <a:t> se fait à l’aide de l’objet </a:t>
+            </a:r>
+            <a:r>
+              <a:rPr lang="fr-FR" dirty="0" err="1"/>
+              <a:t>SQLAlchemy</a:t>
+            </a:r>
+            <a:endParaRPr lang="fr-FR" dirty="0"/>
+          </a:p>
+          <a:p>
+            <a:r>
+              <a:rPr lang="fr-FR" dirty="0"/>
+              <a:t>La création des tables peut se faire à l’aide de la méthode </a:t>
+            </a:r>
+            <a:r>
+              <a:rPr lang="fr-FR" dirty="0" err="1"/>
+              <a:t>create_all</a:t>
+            </a:r>
+            <a:r>
+              <a:rPr lang="fr-FR" dirty="0"/>
+              <a:t> à la première requête à l’aide du </a:t>
+            </a:r>
+            <a:r>
+              <a:rPr lang="fr-FR" dirty="0" err="1"/>
+              <a:t>hook</a:t>
+            </a:r>
+            <a:r>
+              <a:rPr lang="fr-FR" dirty="0"/>
+              <a:t> </a:t>
+            </a:r>
+            <a:r>
+              <a:rPr lang="fr-FR" dirty="0" err="1"/>
+              <a:t>flask</a:t>
+            </a:r>
+            <a:r>
+              <a:rPr lang="fr-FR" dirty="0"/>
+              <a:t> </a:t>
+            </a:r>
+            <a:r>
+              <a:rPr lang="fr-FR" dirty="0" err="1"/>
+              <a:t>app.before_first_request</a:t>
+            </a:r>
+            <a:endParaRPr lang="fr-FR" dirty="0"/>
+          </a:p>
+        </p:txBody>
+      </p:sp>
+      <p:sp>
+        <p:nvSpPr>
+          <p:cNvPr id="4" name="Espace réservé du pied de page 3">
+            <a:extLst>
+              <a:ext uri="{FF2B5EF4-FFF2-40B4-BE49-F238E27FC236}">
+                <a16:creationId xmlns:a16="http://schemas.microsoft.com/office/drawing/2014/main" id="{2195DA65-364D-7BD5-EEB1-249DD6745B31}"/>
+              </a:ext>
+            </a:extLst>
+          </p:cNvPr>
+          <p:cNvSpPr>
+            <a:spLocks noGrp="1"/>
+          </p:cNvSpPr>
+          <p:nvPr>
+            <p:ph type="ftr" sz="quarter" idx="11"/>
+          </p:nvPr>
+        </p:nvSpPr>
+        <p:spPr/>
+        <p:txBody>
+          <a:bodyPr/>
+          <a:lstStyle/>
+          <a:p>
+            <a:r>
+              <a:rPr lang="fr-FR"/>
+              <a:t>Ihab   A B A D I   -   U T O P I O S   </a:t>
+            </a:r>
+          </a:p>
+        </p:txBody>
+      </p:sp>
+      <p:sp>
+        <p:nvSpPr>
+          <p:cNvPr id="5" name="Espace réservé du numéro de diapositive 4">
+            <a:extLst>
+              <a:ext uri="{FF2B5EF4-FFF2-40B4-BE49-F238E27FC236}">
+                <a16:creationId xmlns:a16="http://schemas.microsoft.com/office/drawing/2014/main" id="{D4166FC8-FF62-DD27-0837-3589F20D313D}"/>
+              </a:ext>
+            </a:extLst>
+          </p:cNvPr>
+          <p:cNvSpPr>
+            <a:spLocks noGrp="1"/>
+          </p:cNvSpPr>
+          <p:nvPr>
+            <p:ph type="sldNum" sz="quarter" idx="12"/>
+          </p:nvPr>
+        </p:nvSpPr>
+        <p:spPr/>
+        <p:txBody>
+          <a:bodyPr/>
+          <a:lstStyle/>
+          <a:p>
+            <a:fld id="{30C08E44-961C-1C42-9C6E-741617B50B11}" type="slidenum">
+              <a:rPr lang="fr-FR" smtClean="0"/>
+              <a:t>5</a:t>
+            </a:fld>
+            <a:endParaRPr lang="fr-FR"/>
+          </a:p>
+        </p:txBody>
+      </p:sp>
+      <p:sp>
+        <p:nvSpPr>
+          <p:cNvPr id="8" name="ZoneTexte 7">
+            <a:extLst>
+              <a:ext uri="{FF2B5EF4-FFF2-40B4-BE49-F238E27FC236}">
+                <a16:creationId xmlns:a16="http://schemas.microsoft.com/office/drawing/2014/main" id="{61DF6303-9899-E8A3-BD05-9016D42236AB}"/>
+              </a:ext>
+            </a:extLst>
+          </p:cNvPr>
+          <p:cNvSpPr txBox="1"/>
+          <p:nvPr/>
+        </p:nvSpPr>
+        <p:spPr>
+          <a:xfrm>
+            <a:off x="6612467" y="1870075"/>
+            <a:ext cx="6096000" cy="923330"/>
           </a:xfrm>
           <a:prstGeom prst="rect">
             <a:avLst/>
           </a:prstGeom>
-          <a:ln/>
+          <a:noFill/>
         </p:spPr>
-        <p:style>
-          <a:lnRef idx="3">
-            <a:schemeClr val="lt1"/>
-          </a:lnRef>
-          <a:fillRef idx="1">
-            <a:schemeClr val="accent4"/>
-          </a:fillRef>
-          <a:effectRef idx="1">
-            <a:schemeClr val="accent4"/>
-          </a:effectRef>
-          <a:fontRef idx="minor">
-            <a:schemeClr val="lt1"/>
-          </a:fontRef>
-        </p:style>
-        <p:txBody>
-          <a:bodyPr rtlCol="0" anchor="ctr"/>
-          <a:lstStyle/>
-          <a:p>
-            <a:pPr marL="0" marR="0" lvl="0" indent="0" algn="ctr" defTabSz="914400" rtl="0" eaLnBrk="1" fontAlgn="auto" latinLnBrk="0" hangingPunct="1">
-              <a:lnSpc>
-                <a:spcPct val="100000"/>
-              </a:lnSpc>
-              <a:spcBef>
-                <a:spcPts val="0"/>
-              </a:spcBef>
-              <a:spcAft>
-                <a:spcPts val="0"/>
-              </a:spcAft>
-              <a:buClrTx/>
-              <a:buSzTx/>
-              <a:buFontTx/>
-              <a:buNone/>
-              <a:tabLst/>
-              <a:defRPr/>
-            </a:pPr>
-            <a:r>
-              <a:rPr kumimoji="0" lang="fr-FR" sz="1800" b="0" i="0" u="none" strike="noStrike" kern="1200" cap="none" spc="0" normalizeH="0" baseline="0" noProof="0" dirty="0">
-                <a:ln>
-                  <a:noFill/>
-                </a:ln>
+        <p:txBody>
+          <a:bodyPr wrap="square">
+            <a:spAutoFit/>
+          </a:bodyPr>
+          <a:lstStyle/>
+          <a:p>
+            <a:r>
+              <a:rPr lang="fr-FR" dirty="0" err="1">
                 <a:solidFill>
-                  <a:prstClr val="white"/>
+                  <a:srgbClr val="CC7832"/>
                 </a:solidFill>
                 <a:effectLst/>
-                <a:uLnTx/>
-                <a:uFillTx/>
-                <a:latin typeface="Calibri" panose="020F0502020204030204"/>
-                <a:ea typeface="+mn-ea"/>
-                <a:cs typeface="+mn-cs"/>
               </a:rPr>
-              <a:t>TP</a:t>
-            </a:r>
-          </a:p>
-        </p:txBody>
-      </p:sp>
-      <p:sp>
-        <p:nvSpPr>
-          <p:cNvPr id="6" name="Titre 5">
-            <a:extLst>
-              <a:ext uri="{FF2B5EF4-FFF2-40B4-BE49-F238E27FC236}">
-                <a16:creationId xmlns:a16="http://schemas.microsoft.com/office/drawing/2014/main" id="{42AFDAA5-8E7F-1998-2D26-35D046282D62}"/>
-              </a:ext>
-            </a:extLst>
-          </p:cNvPr>
-          <p:cNvSpPr>
-            <a:spLocks noGrp="1"/>
-          </p:cNvSpPr>
-          <p:nvPr>
-            <p:ph type="title"/>
-          </p:nvPr>
-        </p:nvSpPr>
-        <p:spPr/>
-        <p:txBody>
-          <a:bodyPr/>
-          <a:lstStyle/>
-          <a:p>
-            <a:r>
-              <a:rPr lang="fr-FR" dirty="0"/>
-              <a:t>Suite api Gestion de commandes</a:t>
-            </a:r>
-          </a:p>
-        </p:txBody>
-      </p:sp>
-      <p:sp>
-        <p:nvSpPr>
-          <p:cNvPr id="7" name="Espace réservé du contenu 2">
-            <a:extLst>
-              <a:ext uri="{FF2B5EF4-FFF2-40B4-BE49-F238E27FC236}">
-                <a16:creationId xmlns:a16="http://schemas.microsoft.com/office/drawing/2014/main" id="{E92BA58E-F015-C212-7E6D-A7F7F6336FD8}"/>
-              </a:ext>
-            </a:extLst>
-          </p:cNvPr>
-          <p:cNvSpPr>
-            <a:spLocks noGrp="1"/>
-          </p:cNvSpPr>
-          <p:nvPr>
-            <p:ph idx="1"/>
-          </p:nvPr>
+              <a:t>from</a:t>
+            </a:r>
+            <a:r>
+              <a:rPr lang="fr-FR" dirty="0">
+                <a:solidFill>
+                  <a:srgbClr val="CC7832"/>
+                </a:solidFill>
+                <a:effectLst/>
+              </a:rPr>
+              <a:t> </a:t>
+            </a:r>
+            <a:r>
+              <a:rPr lang="fr-FR" dirty="0" err="1"/>
+              <a:t>flask_sqlalchemy</a:t>
+            </a:r>
+            <a:r>
+              <a:rPr lang="fr-FR" dirty="0"/>
+              <a:t> </a:t>
+            </a:r>
+            <a:r>
+              <a:rPr lang="fr-FR" dirty="0">
+                <a:solidFill>
+                  <a:srgbClr val="CC7832"/>
+                </a:solidFill>
+                <a:effectLst/>
+              </a:rPr>
+              <a:t>import </a:t>
+            </a:r>
+            <a:r>
+              <a:rPr lang="fr-FR" dirty="0" err="1"/>
+              <a:t>SQLAlchemy</a:t>
+            </a:r>
+            <a:br>
+              <a:rPr lang="fr-FR" dirty="0"/>
+            </a:br>
+            <a:br>
+              <a:rPr lang="fr-FR" dirty="0"/>
+            </a:br>
+            <a:r>
+              <a:rPr lang="fr-FR" dirty="0" err="1"/>
+              <a:t>db</a:t>
+            </a:r>
+            <a:r>
+              <a:rPr lang="fr-FR" dirty="0"/>
+              <a:t> = </a:t>
+            </a:r>
+            <a:r>
+              <a:rPr lang="fr-FR" dirty="0" err="1"/>
+              <a:t>SQLAlchemy</a:t>
+            </a:r>
+            <a:r>
+              <a:rPr lang="fr-FR" dirty="0"/>
+              <a:t>()</a:t>
+            </a:r>
+          </a:p>
+        </p:txBody>
+      </p:sp>
+      <p:sp>
+        <p:nvSpPr>
+          <p:cNvPr id="10" name="ZoneTexte 9">
+            <a:extLst>
+              <a:ext uri="{FF2B5EF4-FFF2-40B4-BE49-F238E27FC236}">
+                <a16:creationId xmlns:a16="http://schemas.microsoft.com/office/drawing/2014/main" id="{452D2756-19EC-6E67-279D-82F58C4D7D1B}"/>
+              </a:ext>
+            </a:extLst>
+          </p:cNvPr>
+          <p:cNvSpPr txBox="1"/>
+          <p:nvPr/>
         </p:nvSpPr>
         <p:spPr>
           <a:xfrm>
-            <a:off x="838200" y="1825625"/>
-            <a:ext cx="10515600" cy="4351338"/>
+            <a:off x="6612467" y="3464611"/>
+            <a:ext cx="4394200" cy="1754326"/>
           </a:xfrm>
+          <a:prstGeom prst="rect">
+            <a:avLst/>
+          </a:prstGeom>
+          <a:noFill/>
         </p:spPr>
         <p:txBody>
-          <a:bodyPr>
-            <a:normAutofit/>
+          <a:bodyPr wrap="square">
+            <a:spAutoFit/>
           </a:bodyPr>
           <a:lstStyle/>
           <a:p>
             <a:r>
-              <a:rPr lang="fr-FR" dirty="0"/>
-              <a:t>Nous souhaitons modifier le système de stockage de notre api commandes pour passer d’un système en liste vers une base de données relationnelles avec </a:t>
+              <a:rPr lang="fr-FR" dirty="0">
+                <a:solidFill>
+                  <a:srgbClr val="BBB529"/>
+                </a:solidFill>
+                <a:effectLst/>
+              </a:rPr>
+              <a:t>@</a:t>
+            </a:r>
+            <a:r>
+              <a:rPr lang="fr-FR" dirty="0" err="1">
+                <a:solidFill>
+                  <a:srgbClr val="BBB529"/>
+                </a:solidFill>
+                <a:effectLst/>
+              </a:rPr>
+              <a:t>app.before_first_request</a:t>
+            </a:r>
+            <a:br>
+              <a:rPr lang="fr-FR" dirty="0">
+                <a:solidFill>
+                  <a:srgbClr val="BBB529"/>
+                </a:solidFill>
+                <a:effectLst/>
+              </a:rPr>
+            </a:br>
+            <a:r>
+              <a:rPr lang="fr-FR" dirty="0" err="1">
+                <a:solidFill>
+                  <a:srgbClr val="CC7832"/>
+                </a:solidFill>
+                <a:effectLst/>
+              </a:rPr>
+              <a:t>def</a:t>
+            </a:r>
+            <a:r>
+              <a:rPr lang="fr-FR" dirty="0">
+                <a:solidFill>
+                  <a:srgbClr val="CC7832"/>
+                </a:solidFill>
+                <a:effectLst/>
+              </a:rPr>
+              <a:t> </a:t>
+            </a:r>
+            <a:r>
+              <a:rPr lang="fr-FR" dirty="0">
+                <a:solidFill>
+                  <a:srgbClr val="FFC66D"/>
+                </a:solidFill>
+                <a:effectLst/>
+              </a:rPr>
+              <a:t>initialisation</a:t>
+            </a:r>
+            <a:r>
+              <a:rPr lang="fr-FR" dirty="0"/>
+              <a:t>():</a:t>
+            </a:r>
+            <a:br>
+              <a:rPr lang="fr-FR" dirty="0"/>
+            </a:br>
+            <a:r>
+              <a:rPr lang="fr-FR" dirty="0"/>
+              <a:t>    </a:t>
             </a:r>
             <a:r>
               <a:rPr lang="fr-FR" dirty="0" err="1"/>
-              <a:t>SQLAlchemy</a:t>
-            </a:r>
-            <a:r>
-              <a:rPr lang="fr-FR" dirty="0"/>
-              <a:t> comme ORM.</a:t>
-            </a:r>
-          </a:p>
-          <a:p>
-            <a:r>
-              <a:rPr lang="fr-FR" dirty="0"/>
-              <a:t>Modifier les </a:t>
+              <a:t>db.init_app</a:t>
+            </a:r>
+            <a:r>
+              <a:rPr lang="fr-FR" dirty="0"/>
+              <a:t>(app)</a:t>
+            </a:r>
+            <a:br>
+              <a:rPr lang="fr-FR" dirty="0"/>
+            </a:br>
+            <a:r>
+              <a:rPr lang="fr-FR" dirty="0"/>
+              <a:t>    </a:t>
+            </a:r>
+            <a:r>
+              <a:rPr lang="fr-FR" dirty="0">
+                <a:solidFill>
+                  <a:srgbClr val="808080"/>
+                </a:solidFill>
+                <a:effectLst/>
+              </a:rPr>
+              <a:t>##Création des tables</a:t>
+            </a:r>
+            <a:br>
+              <a:rPr lang="fr-FR" dirty="0">
+                <a:solidFill>
+                  <a:srgbClr val="808080"/>
+                </a:solidFill>
+                <a:effectLst/>
+              </a:rPr>
+            </a:br>
+            <a:r>
+              <a:rPr lang="fr-FR" dirty="0">
+                <a:solidFill>
+                  <a:srgbClr val="808080"/>
+                </a:solidFill>
+                <a:effectLst/>
+              </a:rPr>
+              <a:t>    </a:t>
             </a:r>
             <a:r>
               <a:rPr lang="fr-FR" dirty="0" err="1"/>
-              <a:t>models</a:t>
-            </a:r>
-            <a:r>
-              <a:rPr lang="fr-FR" dirty="0"/>
-              <a:t> en conséquence.</a:t>
-            </a:r>
-          </a:p>
-          <a:p>
-            <a:r>
-              <a:rPr lang="fr-FR" dirty="0"/>
-              <a:t>Modifier la logiques métier des services pour enregistrer dans notre base de données. </a:t>
-            </a:r>
+              <a:t>db.create_all</a:t>
+            </a:r>
+            <a:r>
+              <a:rPr lang="fr-FR" dirty="0"/>
+              <a:t>()</a:t>
+            </a:r>
+            <a:br>
+              <a:rPr lang="fr-FR" dirty="0"/>
+            </a:br>
+            <a:endParaRPr lang="fr-FR" dirty="0"/>
           </a:p>
         </p:txBody>
       </p:sp>
     </p:spTree>
     <p:extLst>
       <p:ext uri="{BB962C8B-B14F-4D97-AF65-F5344CB8AC3E}">
-        <p14:creationId xmlns:p14="http://schemas.microsoft.com/office/powerpoint/2010/main" val="329541837"/>
+        <p14:creationId xmlns:p14="http://schemas.microsoft.com/office/powerpoint/2010/main" val="2174254784"/>
       </p:ext>
     </p:extLst>
   </p:cSld>
@@ -9312,9 +10035,12 @@
             </a:r>
             <a:r>
               <a:rPr lang="fr-FR" dirty="0" err="1"/>
-              <a:t>injector</a:t>
-            </a:r>
-            <a:endParaRPr lang="fr-FR" dirty="0"/>
+              <a:t>SQLAlchemy</a:t>
+            </a:r>
+            <a:r>
+              <a:rPr lang="fr-FR" dirty="0"/>
+              <a:t> – Démo – Model </a:t>
+            </a:r>
           </a:p>
         </p:txBody>
       </p:sp>
@@ -9334,106 +10060,49 @@
             <p:ph idx="1"/>
           </p:nvPr>
         </p:nvSpPr>
-        <p:spPr/>
-        <p:txBody>
-          <a:bodyPr>
-            <a:normAutofit lnSpcReduction="10000"/>
-          </a:bodyPr>
-          <a:lstStyle/>
-          <a:p>
-            <a:r>
-              <a:rPr lang="fr-FR" dirty="0"/>
-              <a:t>Flask-</a:t>
+        <p:spPr>
+          <a:xfrm>
+            <a:off x="838200" y="1825625"/>
+            <a:ext cx="5884333" cy="4351338"/>
+          </a:xfrm>
+        </p:spPr>
+        <p:txBody>
+          <a:bodyPr/>
+          <a:lstStyle/>
+          <a:p>
+            <a:r>
+              <a:rPr lang="fr-FR" dirty="0"/>
+              <a:t>La création du model se fait par héritage de classe Model de l’objet </a:t>
             </a:r>
             <a:r>
               <a:rPr lang="fr-FR" dirty="0" err="1"/>
-              <a:t>injector</a:t>
-            </a:r>
-            <a:r>
-              <a:rPr lang="fr-FR" dirty="0"/>
-              <a:t> est une bibliothèque qui permet de mettre en place le design pattern d’injection de dépendance et d’inversion de contrôle.</a:t>
-            </a:r>
-          </a:p>
-          <a:p>
-            <a:r>
-              <a:rPr lang="fr-FR" dirty="0"/>
-              <a:t>Flask-</a:t>
+              <a:t>db</a:t>
+            </a:r>
+            <a:r>
+              <a:rPr lang="fr-FR" dirty="0"/>
+              <a:t>.</a:t>
+            </a:r>
+          </a:p>
+          <a:p>
+            <a:r>
+              <a:rPr lang="fr-FR" dirty="0"/>
+              <a:t>L’objet </a:t>
             </a:r>
             <a:r>
               <a:rPr lang="fr-FR" dirty="0" err="1"/>
-              <a:t>injector</a:t>
-            </a:r>
-            <a:r>
-              <a:rPr lang="fr-FR" dirty="0"/>
-              <a:t> permet de configurer les différents types quand nous souhaitons injecter.</a:t>
-            </a:r>
-          </a:p>
-          <a:p>
-            <a:r>
-              <a:rPr lang="fr-FR" dirty="0"/>
-              <a:t>Flask-</a:t>
+              <a:t>db</a:t>
+            </a:r>
+            <a:r>
+              <a:rPr lang="fr-FR" dirty="0"/>
+              <a:t> permet d’utiliser la session de </a:t>
             </a:r>
             <a:r>
               <a:rPr lang="fr-FR" dirty="0" err="1"/>
-              <a:t>injector</a:t>
-            </a:r>
-            <a:r>
-              <a:rPr lang="fr-FR" dirty="0"/>
-              <a:t> automatise la création d’instance et l’injection dans :</a:t>
-            </a:r>
-          </a:p>
-          <a:p>
-            <a:pPr lvl="1"/>
-            <a:r>
-              <a:rPr lang="fr-FR" dirty="0"/>
-              <a:t>Class ressource</a:t>
-            </a:r>
-          </a:p>
-          <a:p>
-            <a:pPr lvl="1"/>
-            <a:r>
-              <a:rPr lang="fr-FR" dirty="0"/>
-              <a:t>Hook de </a:t>
-            </a:r>
-            <a:r>
-              <a:rPr lang="fr-FR" dirty="0" err="1"/>
-              <a:t>flask</a:t>
-            </a:r>
-            <a:endParaRPr lang="fr-FR" dirty="0"/>
-          </a:p>
-          <a:p>
-            <a:pPr lvl="1"/>
-            <a:r>
-              <a:rPr lang="fr-FR" dirty="0"/>
-              <a:t>…</a:t>
-            </a:r>
-          </a:p>
-          <a:p>
-            <a:r>
-              <a:rPr lang="fr-FR" dirty="0"/>
-              <a:t>Flask-</a:t>
-            </a:r>
-            <a:r>
-              <a:rPr lang="fr-FR" dirty="0" err="1"/>
-              <a:t>injector</a:t>
-            </a:r>
-            <a:r>
-              <a:rPr lang="fr-FR" dirty="0"/>
-              <a:t> permet de définir plusieurs scope (</a:t>
-            </a:r>
-            <a:r>
-              <a:rPr lang="fr-FR" dirty="0" err="1"/>
-              <a:t>Request</a:t>
-            </a:r>
-            <a:r>
-              <a:rPr lang="fr-FR" dirty="0"/>
-              <a:t>, Singleton)</a:t>
-            </a:r>
-          </a:p>
-          <a:p>
-            <a:r>
-              <a:rPr lang="fr-FR" dirty="0"/>
-              <a:t>Démo</a:t>
+              <a:t>SQLAlchemy</a:t>
+            </a:r>
+            <a:r>
+              <a:rPr lang="fr-FR" dirty="0"/>
+              <a:t> ORM</a:t>
             </a:r>
           </a:p>
           <a:p>
@@ -9498,10 +10167,850 @@
           </a:p>
         </p:txBody>
       </p:sp>
+      <p:sp>
+        <p:nvSpPr>
+          <p:cNvPr id="7" name="ZoneTexte 6">
+            <a:extLst>
+              <a:ext uri="{FF2B5EF4-FFF2-40B4-BE49-F238E27FC236}">
+                <a16:creationId xmlns:a16="http://schemas.microsoft.com/office/drawing/2014/main" id="{473FB90B-806E-EBDF-1DAF-01F3C8A67EC4}"/>
+              </a:ext>
+            </a:extLst>
+          </p:cNvPr>
+          <p:cNvSpPr txBox="1"/>
+          <p:nvPr/>
+        </p:nvSpPr>
+        <p:spPr>
+          <a:xfrm>
+            <a:off x="7543800" y="1739136"/>
+            <a:ext cx="4055533" cy="4524315"/>
+          </a:xfrm>
+          <a:prstGeom prst="rect">
+            <a:avLst/>
+          </a:prstGeom>
+          <a:noFill/>
+        </p:spPr>
+        <p:txBody>
+          <a:bodyPr wrap="square">
+            <a:spAutoFit/>
+          </a:bodyPr>
+          <a:lstStyle/>
+          <a:p>
+            <a:r>
+              <a:rPr lang="fr-FR" sz="1200" dirty="0" err="1">
+                <a:solidFill>
+                  <a:srgbClr val="CC7832"/>
+                </a:solidFill>
+                <a:effectLst/>
+              </a:rPr>
+              <a:t>from</a:t>
+            </a:r>
+            <a:r>
+              <a:rPr lang="fr-FR" sz="1200" dirty="0">
+                <a:solidFill>
+                  <a:srgbClr val="CC7832"/>
+                </a:solidFill>
+                <a:effectLst/>
+              </a:rPr>
+              <a:t> </a:t>
+            </a:r>
+            <a:r>
+              <a:rPr lang="fr-FR" sz="1200" dirty="0" err="1"/>
+              <a:t>database</a:t>
+            </a:r>
+            <a:r>
+              <a:rPr lang="fr-FR" sz="1200" dirty="0"/>
+              <a:t> </a:t>
+            </a:r>
+            <a:r>
+              <a:rPr lang="fr-FR" sz="1200" dirty="0">
+                <a:solidFill>
+                  <a:srgbClr val="CC7832"/>
+                </a:solidFill>
+                <a:effectLst/>
+              </a:rPr>
+              <a:t>import </a:t>
+            </a:r>
+            <a:r>
+              <a:rPr lang="fr-FR" sz="1200" dirty="0" err="1"/>
+              <a:t>db</a:t>
+            </a:r>
+            <a:br>
+              <a:rPr lang="fr-FR" sz="1200" dirty="0"/>
+            </a:br>
+            <a:br>
+              <a:rPr lang="fr-FR" sz="1200" dirty="0"/>
+            </a:br>
+            <a:br>
+              <a:rPr lang="fr-FR" sz="1200" dirty="0"/>
+            </a:br>
+            <a:r>
+              <a:rPr lang="fr-FR" sz="1200" dirty="0">
+                <a:solidFill>
+                  <a:srgbClr val="808080"/>
+                </a:solidFill>
+                <a:effectLst/>
+              </a:rPr>
+              <a:t>##création model</a:t>
+            </a:r>
+            <a:br>
+              <a:rPr lang="fr-FR" sz="1200" dirty="0">
+                <a:solidFill>
+                  <a:srgbClr val="808080"/>
+                </a:solidFill>
+                <a:effectLst/>
+              </a:rPr>
+            </a:br>
+            <a:r>
+              <a:rPr lang="fr-FR" sz="1200" dirty="0">
+                <a:solidFill>
+                  <a:srgbClr val="CC7832"/>
+                </a:solidFill>
+                <a:effectLst/>
+              </a:rPr>
+              <a:t>class </a:t>
+            </a:r>
+            <a:r>
+              <a:rPr lang="fr-FR" sz="1200" dirty="0" err="1"/>
+              <a:t>SimpleUser</a:t>
+            </a:r>
+            <a:r>
+              <a:rPr lang="fr-FR" sz="1200" dirty="0"/>
+              <a:t>(</a:t>
+            </a:r>
+            <a:r>
+              <a:rPr lang="fr-FR" sz="1200" dirty="0" err="1"/>
+              <a:t>db.Model</a:t>
+            </a:r>
+            <a:r>
+              <a:rPr lang="fr-FR" sz="1200" dirty="0"/>
+              <a:t>):</a:t>
+            </a:r>
+            <a:br>
+              <a:rPr lang="fr-FR" sz="1200" dirty="0"/>
+            </a:br>
+            <a:r>
+              <a:rPr lang="fr-FR" sz="1200" dirty="0"/>
+              <a:t>    id =</a:t>
+            </a:r>
+            <a:r>
+              <a:rPr lang="fr-FR" sz="1200" dirty="0" err="1"/>
+              <a:t>db.Column</a:t>
+            </a:r>
+            <a:r>
+              <a:rPr lang="fr-FR" sz="1200" dirty="0"/>
+              <a:t>(</a:t>
+            </a:r>
+            <a:r>
+              <a:rPr lang="fr-FR" sz="1200" dirty="0" err="1"/>
+              <a:t>db.Integer</a:t>
+            </a:r>
+            <a:r>
+              <a:rPr lang="fr-FR" sz="1200" dirty="0">
+                <a:solidFill>
+                  <a:srgbClr val="CC7832"/>
+                </a:solidFill>
+                <a:effectLst/>
+              </a:rPr>
+              <a:t>, </a:t>
+            </a:r>
+            <a:r>
+              <a:rPr lang="fr-FR" sz="1200" dirty="0" err="1">
+                <a:solidFill>
+                  <a:srgbClr val="AA4926"/>
+                </a:solidFill>
+                <a:effectLst/>
+              </a:rPr>
+              <a:t>primary_key</a:t>
+            </a:r>
+            <a:r>
+              <a:rPr lang="fr-FR" sz="1200" dirty="0"/>
+              <a:t>=</a:t>
+            </a:r>
+            <a:r>
+              <a:rPr lang="fr-FR" sz="1200" dirty="0" err="1">
+                <a:solidFill>
+                  <a:srgbClr val="CC7832"/>
+                </a:solidFill>
+                <a:effectLst/>
+              </a:rPr>
+              <a:t>True</a:t>
+            </a:r>
+            <a:r>
+              <a:rPr lang="fr-FR" sz="1200" dirty="0"/>
+              <a:t>)</a:t>
+            </a:r>
+            <a:br>
+              <a:rPr lang="fr-FR" sz="1200" dirty="0"/>
+            </a:br>
+            <a:r>
+              <a:rPr lang="fr-FR" sz="1200" dirty="0"/>
+              <a:t>    email = </a:t>
+            </a:r>
+            <a:r>
+              <a:rPr lang="fr-FR" sz="1200" dirty="0" err="1"/>
+              <a:t>db.Column</a:t>
+            </a:r>
+            <a:r>
+              <a:rPr lang="fr-FR" sz="1200" dirty="0"/>
+              <a:t>(</a:t>
+            </a:r>
+            <a:r>
+              <a:rPr lang="fr-FR" sz="1200" dirty="0" err="1"/>
+              <a:t>db.String</a:t>
+            </a:r>
+            <a:r>
+              <a:rPr lang="fr-FR" sz="1200" dirty="0"/>
+              <a:t>(</a:t>
+            </a:r>
+            <a:r>
+              <a:rPr lang="fr-FR" sz="1200" dirty="0">
+                <a:solidFill>
+                  <a:srgbClr val="6897BB"/>
+                </a:solidFill>
+                <a:effectLst/>
+              </a:rPr>
+              <a:t>200</a:t>
+            </a:r>
+            <a:r>
+              <a:rPr lang="fr-FR" sz="1200" dirty="0"/>
+              <a:t>)</a:t>
+            </a:r>
+            <a:r>
+              <a:rPr lang="fr-FR" sz="1200" dirty="0">
+                <a:solidFill>
+                  <a:srgbClr val="CC7832"/>
+                </a:solidFill>
+                <a:effectLst/>
+              </a:rPr>
+              <a:t>, </a:t>
+            </a:r>
+            <a:r>
+              <a:rPr lang="fr-FR" sz="1200" dirty="0" err="1">
+                <a:solidFill>
+                  <a:srgbClr val="AA4926"/>
+                </a:solidFill>
+                <a:effectLst/>
+              </a:rPr>
+              <a:t>nullable</a:t>
+            </a:r>
+            <a:r>
+              <a:rPr lang="fr-FR" sz="1200" dirty="0"/>
+              <a:t>=</a:t>
+            </a:r>
+            <a:r>
+              <a:rPr lang="fr-FR" sz="1200" dirty="0">
+                <a:solidFill>
+                  <a:srgbClr val="CC7832"/>
+                </a:solidFill>
+                <a:effectLst/>
+              </a:rPr>
+              <a:t>False</a:t>
+            </a:r>
+            <a:r>
+              <a:rPr lang="fr-FR" sz="1200" dirty="0"/>
+              <a:t>)</a:t>
+            </a:r>
+            <a:br>
+              <a:rPr lang="fr-FR" sz="1200" dirty="0"/>
+            </a:br>
+            <a:r>
+              <a:rPr lang="fr-FR" sz="1200" dirty="0"/>
+              <a:t>    __</a:t>
+            </a:r>
+            <a:r>
+              <a:rPr lang="fr-FR" sz="1200" dirty="0" err="1"/>
+              <a:t>tablename</a:t>
+            </a:r>
+            <a:r>
+              <a:rPr lang="fr-FR" sz="1200" dirty="0"/>
+              <a:t>__ = </a:t>
+            </a:r>
+            <a:r>
+              <a:rPr lang="fr-FR" sz="1200" dirty="0">
+                <a:solidFill>
+                  <a:srgbClr val="6A8759"/>
+                </a:solidFill>
+                <a:effectLst/>
+              </a:rPr>
+              <a:t>'</a:t>
+            </a:r>
+            <a:r>
+              <a:rPr lang="fr-FR" sz="1200" dirty="0" err="1">
+                <a:solidFill>
+                  <a:srgbClr val="6A8759"/>
+                </a:solidFill>
+                <a:effectLst/>
+              </a:rPr>
+              <a:t>simple_user</a:t>
+            </a:r>
+            <a:r>
+              <a:rPr lang="fr-FR" sz="1200" dirty="0">
+                <a:solidFill>
+                  <a:srgbClr val="6A8759"/>
+                </a:solidFill>
+                <a:effectLst/>
+              </a:rPr>
+              <a:t>'</a:t>
+            </a:r>
+            <a:br>
+              <a:rPr lang="fr-FR" sz="1200" dirty="0">
+                <a:solidFill>
+                  <a:srgbClr val="6A8759"/>
+                </a:solidFill>
+                <a:effectLst/>
+              </a:rPr>
+            </a:br>
+            <a:br>
+              <a:rPr lang="fr-FR" sz="1200" dirty="0">
+                <a:solidFill>
+                  <a:srgbClr val="6A8759"/>
+                </a:solidFill>
+                <a:effectLst/>
+              </a:rPr>
+            </a:br>
+            <a:r>
+              <a:rPr lang="fr-FR" sz="1200" dirty="0">
+                <a:solidFill>
+                  <a:srgbClr val="6A8759"/>
+                </a:solidFill>
+                <a:effectLst/>
+              </a:rPr>
+              <a:t>    </a:t>
+            </a:r>
+            <a:r>
+              <a:rPr lang="fr-FR" sz="1200" dirty="0" err="1">
+                <a:solidFill>
+                  <a:srgbClr val="CC7832"/>
+                </a:solidFill>
+                <a:effectLst/>
+              </a:rPr>
+              <a:t>def</a:t>
+            </a:r>
+            <a:r>
+              <a:rPr lang="fr-FR" sz="1200" dirty="0">
+                <a:solidFill>
+                  <a:srgbClr val="CC7832"/>
+                </a:solidFill>
+                <a:effectLst/>
+              </a:rPr>
+              <a:t> </a:t>
+            </a:r>
+            <a:r>
+              <a:rPr lang="fr-FR" sz="1200" dirty="0">
+                <a:solidFill>
+                  <a:srgbClr val="B200B2"/>
+                </a:solidFill>
+                <a:effectLst/>
+              </a:rPr>
+              <a:t>__init__</a:t>
+            </a:r>
+            <a:r>
+              <a:rPr lang="fr-FR" sz="1200" dirty="0"/>
+              <a:t>(</a:t>
+            </a:r>
+            <a:r>
+              <a:rPr lang="fr-FR" sz="1200" dirty="0">
+                <a:solidFill>
+                  <a:srgbClr val="94558D"/>
+                </a:solidFill>
+                <a:effectLst/>
+              </a:rPr>
+              <a:t>self</a:t>
+            </a:r>
+            <a:r>
+              <a:rPr lang="fr-FR" sz="1200" dirty="0">
+                <a:solidFill>
+                  <a:srgbClr val="CC7832"/>
+                </a:solidFill>
+                <a:effectLst/>
+              </a:rPr>
+              <a:t>, </a:t>
+            </a:r>
+            <a:r>
+              <a:rPr lang="fr-FR" sz="1200" dirty="0"/>
+              <a:t>email):</a:t>
+            </a:r>
+            <a:br>
+              <a:rPr lang="fr-FR" sz="1200" dirty="0"/>
+            </a:br>
+            <a:r>
+              <a:rPr lang="fr-FR" sz="1200" dirty="0"/>
+              <a:t>        </a:t>
+            </a:r>
+            <a:r>
+              <a:rPr lang="fr-FR" sz="1200" dirty="0" err="1">
+                <a:solidFill>
+                  <a:srgbClr val="94558D"/>
+                </a:solidFill>
+                <a:effectLst/>
+              </a:rPr>
+              <a:t>self</a:t>
+            </a:r>
+            <a:r>
+              <a:rPr lang="fr-FR" sz="1200" dirty="0" err="1"/>
+              <a:t>.email</a:t>
+            </a:r>
+            <a:r>
+              <a:rPr lang="fr-FR" sz="1200" dirty="0"/>
+              <a:t> = email</a:t>
+            </a:r>
+            <a:br>
+              <a:rPr lang="fr-FR" sz="1200" dirty="0"/>
+            </a:br>
+            <a:br>
+              <a:rPr lang="fr-FR" sz="1200" dirty="0"/>
+            </a:br>
+            <a:r>
+              <a:rPr lang="fr-FR" sz="1200" dirty="0"/>
+              <a:t>    </a:t>
+            </a:r>
+            <a:r>
+              <a:rPr lang="fr-FR" sz="1200" dirty="0">
+                <a:solidFill>
+                  <a:srgbClr val="808080"/>
+                </a:solidFill>
+                <a:effectLst/>
+              </a:rPr>
+              <a:t>##Méthode </a:t>
+            </a:r>
+            <a:r>
+              <a:rPr lang="fr-FR" sz="1200" dirty="0" err="1">
+                <a:solidFill>
+                  <a:srgbClr val="808080"/>
+                </a:solidFill>
+                <a:effectLst/>
+              </a:rPr>
+              <a:t>save</a:t>
+            </a:r>
+            <a:br>
+              <a:rPr lang="fr-FR" sz="1200" dirty="0">
+                <a:solidFill>
+                  <a:srgbClr val="808080"/>
+                </a:solidFill>
+                <a:effectLst/>
+              </a:rPr>
+            </a:br>
+            <a:r>
+              <a:rPr lang="fr-FR" sz="1200" dirty="0">
+                <a:solidFill>
+                  <a:srgbClr val="808080"/>
+                </a:solidFill>
+                <a:effectLst/>
+              </a:rPr>
+              <a:t>    </a:t>
+            </a:r>
+            <a:r>
+              <a:rPr lang="fr-FR" sz="1200" dirty="0" err="1">
+                <a:solidFill>
+                  <a:srgbClr val="CC7832"/>
+                </a:solidFill>
+                <a:effectLst/>
+              </a:rPr>
+              <a:t>def</a:t>
+            </a:r>
+            <a:r>
+              <a:rPr lang="fr-FR" sz="1200" dirty="0">
+                <a:solidFill>
+                  <a:srgbClr val="CC7832"/>
+                </a:solidFill>
+                <a:effectLst/>
+              </a:rPr>
+              <a:t> </a:t>
+            </a:r>
+            <a:r>
+              <a:rPr lang="fr-FR" sz="1200" dirty="0" err="1">
+                <a:solidFill>
+                  <a:srgbClr val="FFC66D"/>
+                </a:solidFill>
+                <a:effectLst/>
+              </a:rPr>
+              <a:t>save_to_db</a:t>
+            </a:r>
+            <a:r>
+              <a:rPr lang="fr-FR" sz="1200" dirty="0"/>
+              <a:t>(</a:t>
+            </a:r>
+            <a:r>
+              <a:rPr lang="fr-FR" sz="1200" dirty="0">
+                <a:solidFill>
+                  <a:srgbClr val="94558D"/>
+                </a:solidFill>
+                <a:effectLst/>
+              </a:rPr>
+              <a:t>self</a:t>
+            </a:r>
+            <a:r>
+              <a:rPr lang="fr-FR" sz="1200" dirty="0"/>
+              <a:t>):</a:t>
+            </a:r>
+            <a:br>
+              <a:rPr lang="fr-FR" sz="1200" dirty="0"/>
+            </a:br>
+            <a:r>
+              <a:rPr lang="fr-FR" sz="1200" dirty="0"/>
+              <a:t>        </a:t>
+            </a:r>
+            <a:r>
+              <a:rPr lang="fr-FR" sz="1200" dirty="0" err="1"/>
+              <a:t>db.session.add</a:t>
+            </a:r>
+            <a:r>
+              <a:rPr lang="fr-FR" sz="1200" dirty="0"/>
+              <a:t>(</a:t>
+            </a:r>
+            <a:r>
+              <a:rPr lang="fr-FR" sz="1200" dirty="0">
+                <a:solidFill>
+                  <a:srgbClr val="94558D"/>
+                </a:solidFill>
+                <a:effectLst/>
+              </a:rPr>
+              <a:t>self</a:t>
+            </a:r>
+            <a:r>
+              <a:rPr lang="fr-FR" sz="1200" dirty="0"/>
+              <a:t>)</a:t>
+            </a:r>
+            <a:br>
+              <a:rPr lang="fr-FR" sz="1200" dirty="0"/>
+            </a:br>
+            <a:r>
+              <a:rPr lang="fr-FR" sz="1200" dirty="0"/>
+              <a:t>        </a:t>
+            </a:r>
+            <a:r>
+              <a:rPr lang="fr-FR" sz="1200" dirty="0" err="1"/>
+              <a:t>db.session.commit</a:t>
+            </a:r>
+            <a:r>
+              <a:rPr lang="fr-FR" sz="1200" dirty="0"/>
+              <a:t>()</a:t>
+            </a:r>
+            <a:br>
+              <a:rPr lang="fr-FR" sz="1200" dirty="0"/>
+            </a:br>
+            <a:br>
+              <a:rPr lang="fr-FR" sz="1200" dirty="0"/>
+            </a:br>
+            <a:r>
+              <a:rPr lang="fr-FR" sz="1200" dirty="0"/>
+              <a:t>    </a:t>
+            </a:r>
+            <a:r>
+              <a:rPr lang="fr-FR" sz="1200" dirty="0" err="1">
+                <a:solidFill>
+                  <a:srgbClr val="CC7832"/>
+                </a:solidFill>
+                <a:effectLst/>
+              </a:rPr>
+              <a:t>def</a:t>
+            </a:r>
+            <a:r>
+              <a:rPr lang="fr-FR" sz="1200" dirty="0">
+                <a:solidFill>
+                  <a:srgbClr val="CC7832"/>
+                </a:solidFill>
+                <a:effectLst/>
+              </a:rPr>
+              <a:t> </a:t>
+            </a:r>
+            <a:r>
+              <a:rPr lang="fr-FR" sz="1200" dirty="0" err="1">
+                <a:solidFill>
+                  <a:srgbClr val="FFC66D"/>
+                </a:solidFill>
+                <a:effectLst/>
+              </a:rPr>
+              <a:t>json</a:t>
+            </a:r>
+            <a:r>
+              <a:rPr lang="fr-FR" sz="1200" dirty="0"/>
+              <a:t>(</a:t>
+            </a:r>
+            <a:r>
+              <a:rPr lang="fr-FR" sz="1200" dirty="0">
+                <a:solidFill>
+                  <a:srgbClr val="94558D"/>
+                </a:solidFill>
+                <a:effectLst/>
+              </a:rPr>
+              <a:t>self</a:t>
+            </a:r>
+            <a:r>
+              <a:rPr lang="fr-FR" sz="1200" dirty="0"/>
+              <a:t>):</a:t>
+            </a:r>
+            <a:br>
+              <a:rPr lang="fr-FR" sz="1200" dirty="0"/>
+            </a:br>
+            <a:r>
+              <a:rPr lang="fr-FR" sz="1200" dirty="0"/>
+              <a:t>        </a:t>
+            </a:r>
+            <a:r>
+              <a:rPr lang="fr-FR" sz="1200" dirty="0">
+                <a:solidFill>
+                  <a:srgbClr val="CC7832"/>
+                </a:solidFill>
+                <a:effectLst/>
+              </a:rPr>
+              <a:t>return </a:t>
+            </a:r>
+            <a:r>
+              <a:rPr lang="fr-FR" sz="1200" dirty="0"/>
+              <a:t>{</a:t>
+            </a:r>
+            <a:r>
+              <a:rPr lang="fr-FR" sz="1200" dirty="0">
+                <a:solidFill>
+                  <a:srgbClr val="6A8759"/>
+                </a:solidFill>
+                <a:effectLst/>
+              </a:rPr>
+              <a:t>'email'</a:t>
+            </a:r>
+            <a:r>
+              <a:rPr lang="fr-FR" sz="1200" dirty="0"/>
+              <a:t>:</a:t>
+            </a:r>
+            <a:r>
+              <a:rPr lang="fr-FR" sz="1200" dirty="0" err="1">
+                <a:solidFill>
+                  <a:srgbClr val="94558D"/>
+                </a:solidFill>
+                <a:effectLst/>
+              </a:rPr>
+              <a:t>self</a:t>
+            </a:r>
+            <a:r>
+              <a:rPr lang="fr-FR" sz="1200" dirty="0" err="1"/>
+              <a:t>.email</a:t>
+            </a:r>
+            <a:r>
+              <a:rPr lang="fr-FR" sz="1200" dirty="0">
+                <a:solidFill>
+                  <a:srgbClr val="CC7832"/>
+                </a:solidFill>
+                <a:effectLst/>
+              </a:rPr>
+              <a:t>, </a:t>
+            </a:r>
+            <a:r>
+              <a:rPr lang="fr-FR" sz="1200" dirty="0">
+                <a:solidFill>
+                  <a:srgbClr val="6A8759"/>
+                </a:solidFill>
+                <a:effectLst/>
+              </a:rPr>
+              <a:t>'id'</a:t>
+            </a:r>
+            <a:r>
+              <a:rPr lang="fr-FR" sz="1200" dirty="0"/>
+              <a:t>: </a:t>
+            </a:r>
+            <a:r>
+              <a:rPr lang="fr-FR" sz="1200" dirty="0" err="1">
+                <a:solidFill>
+                  <a:srgbClr val="94558D"/>
+                </a:solidFill>
+                <a:effectLst/>
+              </a:rPr>
+              <a:t>self</a:t>
+            </a:r>
+            <a:r>
+              <a:rPr lang="fr-FR" sz="1200" dirty="0" err="1"/>
+              <a:t>.id</a:t>
+            </a:r>
+            <a:r>
+              <a:rPr lang="fr-FR" sz="1200" dirty="0"/>
+              <a:t>}</a:t>
+            </a:r>
+            <a:br>
+              <a:rPr lang="fr-FR" sz="1200" dirty="0"/>
+            </a:br>
+            <a:br>
+              <a:rPr lang="fr-FR" sz="1200" dirty="0"/>
+            </a:br>
+            <a:r>
+              <a:rPr lang="fr-FR" sz="1200" dirty="0"/>
+              <a:t>    </a:t>
+            </a:r>
+            <a:r>
+              <a:rPr lang="fr-FR" sz="1200" dirty="0">
+                <a:solidFill>
+                  <a:srgbClr val="808080"/>
+                </a:solidFill>
+                <a:effectLst/>
+              </a:rPr>
+              <a:t>##</a:t>
+            </a:r>
+            <a:r>
+              <a:rPr lang="fr-FR" sz="1200" dirty="0" err="1">
+                <a:solidFill>
+                  <a:srgbClr val="808080"/>
+                </a:solidFill>
+                <a:effectLst/>
+              </a:rPr>
+              <a:t>Methode</a:t>
+            </a:r>
+            <a:br>
+              <a:rPr lang="fr-FR" sz="1200" dirty="0">
+                <a:solidFill>
+                  <a:srgbClr val="808080"/>
+                </a:solidFill>
+                <a:effectLst/>
+              </a:rPr>
+            </a:br>
+            <a:r>
+              <a:rPr lang="fr-FR" sz="1200" dirty="0">
+                <a:solidFill>
+                  <a:srgbClr val="808080"/>
+                </a:solidFill>
+                <a:effectLst/>
+              </a:rPr>
+              <a:t>    </a:t>
+            </a:r>
+            <a:r>
+              <a:rPr lang="fr-FR" sz="1200" dirty="0">
+                <a:solidFill>
+                  <a:srgbClr val="BBB529"/>
+                </a:solidFill>
+                <a:effectLst/>
+              </a:rPr>
+              <a:t>@</a:t>
+            </a:r>
+            <a:r>
+              <a:rPr lang="fr-FR" sz="1200" dirty="0" err="1">
+                <a:solidFill>
+                  <a:srgbClr val="BBB529"/>
+                </a:solidFill>
+                <a:effectLst/>
+              </a:rPr>
+              <a:t>classmethod</a:t>
+            </a:r>
+            <a:br>
+              <a:rPr lang="fr-FR" sz="1200" dirty="0">
+                <a:solidFill>
+                  <a:srgbClr val="BBB529"/>
+                </a:solidFill>
+                <a:effectLst/>
+              </a:rPr>
+            </a:br>
+            <a:r>
+              <a:rPr lang="fr-FR" sz="1200" dirty="0">
+                <a:solidFill>
+                  <a:srgbClr val="BBB529"/>
+                </a:solidFill>
+                <a:effectLst/>
+              </a:rPr>
+              <a:t>    </a:t>
+            </a:r>
+            <a:r>
+              <a:rPr lang="fr-FR" sz="1200" dirty="0" err="1">
+                <a:solidFill>
+                  <a:srgbClr val="CC7832"/>
+                </a:solidFill>
+                <a:effectLst/>
+              </a:rPr>
+              <a:t>def</a:t>
+            </a:r>
+            <a:r>
+              <a:rPr lang="fr-FR" sz="1200" dirty="0">
+                <a:solidFill>
+                  <a:srgbClr val="CC7832"/>
+                </a:solidFill>
+                <a:effectLst/>
+              </a:rPr>
+              <a:t> </a:t>
+            </a:r>
+            <a:r>
+              <a:rPr lang="fr-FR" sz="1200" dirty="0" err="1">
+                <a:solidFill>
+                  <a:srgbClr val="FFC66D"/>
+                </a:solidFill>
+                <a:effectLst/>
+              </a:rPr>
+              <a:t>find_by_email</a:t>
+            </a:r>
+            <a:r>
+              <a:rPr lang="fr-FR" sz="1200" dirty="0"/>
+              <a:t>(</a:t>
+            </a:r>
+            <a:r>
+              <a:rPr lang="fr-FR" sz="1200" dirty="0" err="1">
+                <a:solidFill>
+                  <a:srgbClr val="94558D"/>
+                </a:solidFill>
+                <a:effectLst/>
+              </a:rPr>
+              <a:t>cls</a:t>
+            </a:r>
+            <a:r>
+              <a:rPr lang="fr-FR" sz="1200" dirty="0">
+                <a:solidFill>
+                  <a:srgbClr val="CC7832"/>
+                </a:solidFill>
+                <a:effectLst/>
+              </a:rPr>
+              <a:t>, </a:t>
+            </a:r>
+            <a:r>
+              <a:rPr lang="fr-FR" sz="1200" dirty="0"/>
+              <a:t>email):</a:t>
+            </a:r>
+            <a:br>
+              <a:rPr lang="fr-FR" sz="1200" dirty="0"/>
+            </a:br>
+            <a:r>
+              <a:rPr lang="fr-FR" sz="1200" dirty="0"/>
+              <a:t>        </a:t>
+            </a:r>
+            <a:r>
+              <a:rPr lang="fr-FR" sz="1200" dirty="0">
+                <a:solidFill>
+                  <a:srgbClr val="CC7832"/>
+                </a:solidFill>
+                <a:effectLst/>
+              </a:rPr>
+              <a:t>return </a:t>
+            </a:r>
+            <a:r>
+              <a:rPr lang="fr-FR" sz="1200" dirty="0" err="1">
+                <a:solidFill>
+                  <a:srgbClr val="94558D"/>
+                </a:solidFill>
+                <a:effectLst/>
+              </a:rPr>
+              <a:t>cls</a:t>
+            </a:r>
+            <a:r>
+              <a:rPr lang="fr-FR" sz="1200" dirty="0" err="1"/>
+              <a:t>.query.filter_by</a:t>
+            </a:r>
+            <a:r>
+              <a:rPr lang="fr-FR" sz="1200" dirty="0"/>
+              <a:t>(</a:t>
+            </a:r>
+            <a:r>
+              <a:rPr lang="fr-FR" sz="1200" dirty="0">
+                <a:solidFill>
+                  <a:srgbClr val="AA4926"/>
+                </a:solidFill>
+                <a:effectLst/>
+              </a:rPr>
+              <a:t>email</a:t>
+            </a:r>
+            <a:r>
+              <a:rPr lang="fr-FR" sz="1200" dirty="0"/>
+              <a:t>=email).first()</a:t>
+            </a:r>
+          </a:p>
+        </p:txBody>
+      </p:sp>
     </p:spTree>
     <p:extLst>
       <p:ext uri="{BB962C8B-B14F-4D97-AF65-F5344CB8AC3E}">
-        <p14:creationId xmlns:p14="http://schemas.microsoft.com/office/powerpoint/2010/main" val="2138945672"/>
+        <p14:creationId xmlns:p14="http://schemas.microsoft.com/office/powerpoint/2010/main" val="2814487346"/>
       </p:ext>
     </p:extLst>
   </p:cSld>
@@ -9530,6 +11039,449 @@
       </p:grpSpPr>
       <p:sp>
         <p:nvSpPr>
+          <p:cNvPr id="4" name="Rectangle 3">
+            <a:extLst>
+              <a:ext uri="{FF2B5EF4-FFF2-40B4-BE49-F238E27FC236}">
+                <a16:creationId xmlns:a16="http://schemas.microsoft.com/office/drawing/2014/main" id="{FFE4CB5F-1540-AD91-801F-01E1C2AB613D}"/>
+              </a:ext>
+            </a:extLst>
+          </p:cNvPr>
+          <p:cNvSpPr>
+            <a:spLocks/>
+          </p:cNvSpPr>
+          <p:nvPr/>
+        </p:nvSpPr>
+        <p:spPr>
+          <a:xfrm>
+            <a:off x="9393116" y="584826"/>
+            <a:ext cx="2105146" cy="706056"/>
+          </a:xfrm>
+          <a:prstGeom prst="rect">
+            <a:avLst/>
+          </a:prstGeom>
+          <a:ln/>
+        </p:spPr>
+        <p:style>
+          <a:lnRef idx="3">
+            <a:schemeClr val="lt1"/>
+          </a:lnRef>
+          <a:fillRef idx="1">
+            <a:schemeClr val="accent4"/>
+          </a:fillRef>
+          <a:effectRef idx="1">
+            <a:schemeClr val="accent4"/>
+          </a:effectRef>
+          <a:fontRef idx="minor">
+            <a:schemeClr val="lt1"/>
+          </a:fontRef>
+        </p:style>
+        <p:txBody>
+          <a:bodyPr rtlCol="0" anchor="ctr"/>
+          <a:lstStyle/>
+          <a:p>
+            <a:pPr marL="0" marR="0" lvl="0" indent="0" algn="ctr" defTabSz="914400" rtl="0" eaLnBrk="1" fontAlgn="auto" latinLnBrk="0" hangingPunct="1">
+              <a:lnSpc>
+                <a:spcPct val="100000"/>
+              </a:lnSpc>
+              <a:spcBef>
+                <a:spcPts val="0"/>
+              </a:spcBef>
+              <a:spcAft>
+                <a:spcPts val="0"/>
+              </a:spcAft>
+              <a:buClrTx/>
+              <a:buSzTx/>
+              <a:buFontTx/>
+              <a:buNone/>
+              <a:tabLst/>
+              <a:defRPr/>
+            </a:pPr>
+            <a:r>
+              <a:rPr kumimoji="0" lang="fr-FR" sz="1800" b="0" i="0" u="none" strike="noStrike" kern="1200" cap="none" spc="0" normalizeH="0" baseline="0" noProof="0" dirty="0">
+                <a:ln>
+                  <a:noFill/>
+                </a:ln>
+                <a:solidFill>
+                  <a:prstClr val="white"/>
+                </a:solidFill>
+                <a:effectLst/>
+                <a:uLnTx/>
+                <a:uFillTx/>
+                <a:latin typeface="Calibri" panose="020F0502020204030204"/>
+                <a:ea typeface="+mn-ea"/>
+                <a:cs typeface="+mn-cs"/>
+              </a:rPr>
+              <a:t>TP</a:t>
+            </a:r>
+          </a:p>
+        </p:txBody>
+      </p:sp>
+      <p:sp>
+        <p:nvSpPr>
+          <p:cNvPr id="6" name="Titre 5">
+            <a:extLst>
+              <a:ext uri="{FF2B5EF4-FFF2-40B4-BE49-F238E27FC236}">
+                <a16:creationId xmlns:a16="http://schemas.microsoft.com/office/drawing/2014/main" id="{42AFDAA5-8E7F-1998-2D26-35D046282D62}"/>
+              </a:ext>
+            </a:extLst>
+          </p:cNvPr>
+          <p:cNvSpPr>
+            <a:spLocks noGrp="1"/>
+          </p:cNvSpPr>
+          <p:nvPr>
+            <p:ph type="title"/>
+          </p:nvPr>
+        </p:nvSpPr>
+        <p:spPr/>
+        <p:txBody>
+          <a:bodyPr/>
+          <a:lstStyle/>
+          <a:p>
+            <a:r>
+              <a:rPr lang="fr-FR" dirty="0"/>
+              <a:t>Suite api Gestion de commandes</a:t>
+            </a:r>
+          </a:p>
+        </p:txBody>
+      </p:sp>
+      <p:sp>
+        <p:nvSpPr>
+          <p:cNvPr id="7" name="Espace réservé du contenu 2">
+            <a:extLst>
+              <a:ext uri="{FF2B5EF4-FFF2-40B4-BE49-F238E27FC236}">
+                <a16:creationId xmlns:a16="http://schemas.microsoft.com/office/drawing/2014/main" id="{E92BA58E-F015-C212-7E6D-A7F7F6336FD8}"/>
+              </a:ext>
+            </a:extLst>
+          </p:cNvPr>
+          <p:cNvSpPr>
+            <a:spLocks noGrp="1"/>
+          </p:cNvSpPr>
+          <p:nvPr>
+            <p:ph idx="1"/>
+          </p:nvPr>
+        </p:nvSpPr>
+        <p:spPr>
+          <a:xfrm>
+            <a:off x="838200" y="1825625"/>
+            <a:ext cx="10515600" cy="4351338"/>
+          </a:xfrm>
+        </p:spPr>
+        <p:txBody>
+          <a:bodyPr>
+            <a:normAutofit/>
+          </a:bodyPr>
+          <a:lstStyle/>
+          <a:p>
+            <a:r>
+              <a:rPr lang="fr-FR" dirty="0"/>
+              <a:t>Nous souhaitons modifier le système de stockage de notre api commandes pour passer d’un système en liste vers une base de données relationnelles avec </a:t>
+            </a:r>
+            <a:r>
+              <a:rPr lang="fr-FR" dirty="0" err="1"/>
+              <a:t>SQLAlchemy</a:t>
+            </a:r>
+            <a:r>
+              <a:rPr lang="fr-FR" dirty="0"/>
+              <a:t> comme ORM.</a:t>
+            </a:r>
+          </a:p>
+          <a:p>
+            <a:r>
+              <a:rPr lang="fr-FR" dirty="0"/>
+              <a:t>Modifier les </a:t>
+            </a:r>
+            <a:r>
+              <a:rPr lang="fr-FR" dirty="0" err="1"/>
+              <a:t>models</a:t>
+            </a:r>
+            <a:r>
+              <a:rPr lang="fr-FR" dirty="0"/>
+              <a:t> en conséquence.</a:t>
+            </a:r>
+          </a:p>
+          <a:p>
+            <a:r>
+              <a:rPr lang="fr-FR" dirty="0"/>
+              <a:t>Modifier la logiques métier des services pour enregistrer dans notre base de données. </a:t>
+            </a:r>
+          </a:p>
+        </p:txBody>
+      </p:sp>
+    </p:spTree>
+    <p:extLst>
+      <p:ext uri="{BB962C8B-B14F-4D97-AF65-F5344CB8AC3E}">
+        <p14:creationId xmlns:p14="http://schemas.microsoft.com/office/powerpoint/2010/main" val="329541837"/>
+      </p:ext>
+    </p:extLst>
+  </p:cSld>
+  <p:clrMapOvr>
+    <a:masterClrMapping/>
+  </p:clrMapOvr>
+</p:sld>
+</file>
+
+<file path=ppt/slides/slide8.xml><?xml version="1.0" encoding="utf-8"?>
+<p:sld xmlns:a="http://schemas.openxmlformats.org/drawingml/2006/main" xmlns:r="http://schemas.openxmlformats.org/officeDocument/2006/relationships" xmlns:p="http://schemas.openxmlformats.org/presentationml/2006/main">
+  <p:cSld>
+    <p:spTree>
+      <p:nvGrpSpPr>
+        <p:cNvPr id="1" name=""/>
+        <p:cNvGrpSpPr/>
+        <p:nvPr/>
+      </p:nvGrpSpPr>
+      <p:grpSpPr>
+        <a:xfrm>
+          <a:off x="0" y="0"/>
+          <a:ext cx="0" cy="0"/>
+          <a:chOff x="0" y="0"/>
+          <a:chExt cx="0" cy="0"/>
+        </a:xfrm>
+      </p:grpSpPr>
+      <p:sp>
+        <p:nvSpPr>
+          <p:cNvPr id="2" name="Titre 1">
+            <a:extLst>
+              <a:ext uri="{FF2B5EF4-FFF2-40B4-BE49-F238E27FC236}">
+                <a16:creationId xmlns:a16="http://schemas.microsoft.com/office/drawing/2014/main" id="{F8DA1E1A-2663-3554-42AF-BEA2614AF411}"/>
+              </a:ext>
+            </a:extLst>
+          </p:cNvPr>
+          <p:cNvSpPr>
+            <a:spLocks noGrp="1"/>
+          </p:cNvSpPr>
+          <p:nvPr>
+            <p:ph type="title"/>
+          </p:nvPr>
+        </p:nvSpPr>
+        <p:spPr/>
+        <p:txBody>
+          <a:bodyPr/>
+          <a:lstStyle/>
+          <a:p>
+            <a:r>
+              <a:rPr lang="fr-FR" dirty="0"/>
+              <a:t>Flask – Flask-</a:t>
+            </a:r>
+            <a:r>
+              <a:rPr lang="fr-FR" dirty="0" err="1"/>
+              <a:t>injector</a:t>
+            </a:r>
+            <a:endParaRPr lang="fr-FR" dirty="0"/>
+          </a:p>
+        </p:txBody>
+      </p:sp>
+      <p:sp>
+        <p:nvSpPr>
+          <p:cNvPr id="3" name="Espace réservé du contenu 2">
+            <a:extLst>
+              <a:ext uri="{FF2B5EF4-FFF2-40B4-BE49-F238E27FC236}">
+                <a16:creationId xmlns:a16="http://schemas.microsoft.com/office/drawing/2014/main" id="{75EB2FC0-90DC-6FFE-64E8-AC3A53C73EA4}"/>
+              </a:ext>
+            </a:extLst>
+          </p:cNvPr>
+          <p:cNvSpPr>
+            <a:spLocks noGrp="1"/>
+          </p:cNvSpPr>
+          <p:nvPr>
+            <p:ph idx="1"/>
+          </p:nvPr>
+        </p:nvSpPr>
+        <p:spPr/>
+        <p:txBody>
+          <a:bodyPr>
+            <a:normAutofit lnSpcReduction="10000"/>
+          </a:bodyPr>
+          <a:lstStyle/>
+          <a:p>
+            <a:r>
+              <a:rPr lang="fr-FR" dirty="0"/>
+              <a:t>Flask-</a:t>
+            </a:r>
+            <a:r>
+              <a:rPr lang="fr-FR" dirty="0" err="1"/>
+              <a:t>injector</a:t>
+            </a:r>
+            <a:r>
+              <a:rPr lang="fr-FR" dirty="0"/>
+              <a:t> est une bibliothèque qui permet de mettre en place le design pattern d’injection de dépendance et d’inversion de contrôle.</a:t>
+            </a:r>
+          </a:p>
+          <a:p>
+            <a:r>
+              <a:rPr lang="fr-FR" dirty="0"/>
+              <a:t>Flask-</a:t>
+            </a:r>
+            <a:r>
+              <a:rPr lang="fr-FR" dirty="0" err="1"/>
+              <a:t>injector</a:t>
+            </a:r>
+            <a:r>
+              <a:rPr lang="fr-FR" dirty="0"/>
+              <a:t> permet de configurer les différents types quand nous souhaitons injecter.</a:t>
+            </a:r>
+          </a:p>
+          <a:p>
+            <a:r>
+              <a:rPr lang="fr-FR" dirty="0"/>
+              <a:t>Flask-</a:t>
+            </a:r>
+            <a:r>
+              <a:rPr lang="fr-FR" dirty="0" err="1"/>
+              <a:t>injector</a:t>
+            </a:r>
+            <a:r>
+              <a:rPr lang="fr-FR" dirty="0"/>
+              <a:t> automatise la création d’instance et l’injection dans :</a:t>
+            </a:r>
+          </a:p>
+          <a:p>
+            <a:pPr lvl="1"/>
+            <a:r>
+              <a:rPr lang="fr-FR" dirty="0"/>
+              <a:t>Class ressource</a:t>
+            </a:r>
+          </a:p>
+          <a:p>
+            <a:pPr lvl="1"/>
+            <a:r>
+              <a:rPr lang="fr-FR" dirty="0"/>
+              <a:t>Hook de </a:t>
+            </a:r>
+            <a:r>
+              <a:rPr lang="fr-FR" dirty="0" err="1"/>
+              <a:t>flask</a:t>
+            </a:r>
+            <a:endParaRPr lang="fr-FR" dirty="0"/>
+          </a:p>
+          <a:p>
+            <a:pPr lvl="1"/>
+            <a:r>
+              <a:rPr lang="fr-FR" dirty="0"/>
+              <a:t>…</a:t>
+            </a:r>
+          </a:p>
+          <a:p>
+            <a:r>
+              <a:rPr lang="fr-FR" dirty="0"/>
+              <a:t>Flask-</a:t>
+            </a:r>
+            <a:r>
+              <a:rPr lang="fr-FR" dirty="0" err="1"/>
+              <a:t>injector</a:t>
+            </a:r>
+            <a:r>
+              <a:rPr lang="fr-FR" dirty="0"/>
+              <a:t> permet de définir plusieurs scope (</a:t>
+            </a:r>
+            <a:r>
+              <a:rPr lang="fr-FR" dirty="0" err="1"/>
+              <a:t>Request</a:t>
+            </a:r>
+            <a:r>
+              <a:rPr lang="fr-FR" dirty="0"/>
+              <a:t>, Singleton)</a:t>
+            </a:r>
+          </a:p>
+          <a:p>
+            <a:r>
+              <a:rPr lang="fr-FR" dirty="0"/>
+              <a:t>Démo</a:t>
+            </a:r>
+          </a:p>
+          <a:p>
+            <a:endParaRPr lang="fr-FR" dirty="0"/>
+          </a:p>
+        </p:txBody>
+      </p:sp>
+      <p:sp>
+        <p:nvSpPr>
+          <p:cNvPr id="4" name="Espace réservé du pied de page 3">
+            <a:extLst>
+              <a:ext uri="{FF2B5EF4-FFF2-40B4-BE49-F238E27FC236}">
+                <a16:creationId xmlns:a16="http://schemas.microsoft.com/office/drawing/2014/main" id="{2195DA65-364D-7BD5-EEB1-249DD6745B31}"/>
+              </a:ext>
+            </a:extLst>
+          </p:cNvPr>
+          <p:cNvSpPr>
+            <a:spLocks noGrp="1"/>
+          </p:cNvSpPr>
+          <p:nvPr>
+            <p:ph type="ftr" sz="quarter" idx="11"/>
+          </p:nvPr>
+        </p:nvSpPr>
+        <p:spPr/>
+        <p:txBody>
+          <a:bodyPr/>
+          <a:lstStyle/>
+          <a:p>
+            <a:r>
+              <a:rPr lang="fr-FR"/>
+              <a:t>Ihab   A B A D I   -   U T O P I O S   </a:t>
+            </a:r>
+          </a:p>
+        </p:txBody>
+      </p:sp>
+      <p:sp>
+        <p:nvSpPr>
+          <p:cNvPr id="5" name="Espace réservé du numéro de diapositive 4">
+            <a:extLst>
+              <a:ext uri="{FF2B5EF4-FFF2-40B4-BE49-F238E27FC236}">
+                <a16:creationId xmlns:a16="http://schemas.microsoft.com/office/drawing/2014/main" id="{D4166FC8-FF62-DD27-0837-3589F20D313D}"/>
+              </a:ext>
+            </a:extLst>
+          </p:cNvPr>
+          <p:cNvSpPr>
+            <a:spLocks noGrp="1"/>
+          </p:cNvSpPr>
+          <p:nvPr>
+            <p:ph type="sldNum" sz="quarter" idx="12"/>
+          </p:nvPr>
+        </p:nvSpPr>
+        <p:spPr/>
+        <p:txBody>
+          <a:bodyPr/>
+          <a:lstStyle/>
+          <a:p>
+            <a:fld id="{30C08E44-961C-1C42-9C6E-741617B50B11}" type="slidenum">
+              <a:rPr lang="fr-FR" smtClean="0"/>
+              <a:t>8</a:t>
+            </a:fld>
+            <a:endParaRPr lang="fr-FR"/>
+          </a:p>
+        </p:txBody>
+      </p:sp>
+    </p:spTree>
+    <p:extLst>
+      <p:ext uri="{BB962C8B-B14F-4D97-AF65-F5344CB8AC3E}">
+        <p14:creationId xmlns:p14="http://schemas.microsoft.com/office/powerpoint/2010/main" val="2138945672"/>
+      </p:ext>
+    </p:extLst>
+  </p:cSld>
+  <p:clrMapOvr>
+    <a:masterClrMapping/>
+  </p:clrMapOvr>
+</p:sld>
+</file>
+
+<file path=ppt/slides/slide9.xml><?xml version="1.0" encoding="utf-8"?>
+<p:sld xmlns:a="http://schemas.openxmlformats.org/drawingml/2006/main" xmlns:r="http://schemas.openxmlformats.org/officeDocument/2006/relationships" xmlns:p="http://schemas.openxmlformats.org/presentationml/2006/main">
+  <p:cSld>
+    <p:spTree>
+      <p:nvGrpSpPr>
+        <p:cNvPr id="1" name=""/>
+        <p:cNvGrpSpPr/>
+        <p:nvPr/>
+      </p:nvGrpSpPr>
+      <p:grpSpPr>
+        <a:xfrm>
+          <a:off x="0" y="0"/>
+          <a:ext cx="0" cy="0"/>
+          <a:chOff x="0" y="0"/>
+          <a:chExt cx="0" cy="0"/>
+        </a:xfrm>
+      </p:grpSpPr>
+      <p:sp>
+        <p:nvSpPr>
           <p:cNvPr id="2" name="Titre 1">
             <a:extLst>
               <a:ext uri="{FF2B5EF4-FFF2-40B4-BE49-F238E27FC236}">
@@ -9639,7 +11591,7 @@
           <a:p>
             <a:fld id="{30C08E44-961C-1C42-9C6E-741617B50B11}" type="slidenum">
               <a:rPr lang="fr-FR" smtClean="0"/>
-              <a:t>7</a:t>
+              <a:t>9</a:t>
             </a:fld>
             <a:endParaRPr lang="fr-FR"/>
           </a:p>
@@ -9696,441 +11648,6 @@
     <p:extLst>
       <p:ext uri="{BB962C8B-B14F-4D97-AF65-F5344CB8AC3E}">
         <p14:creationId xmlns:p14="http://schemas.microsoft.com/office/powerpoint/2010/main" val="3149405166"/>
-      </p:ext>
-    </p:extLst>
-  </p:cSld>
-  <p:clrMapOvr>
-    <a:masterClrMapping/>
-  </p:clrMapOvr>
-</p:sld>
-</file>
-
-<file path=ppt/slides/slide8.xml><?xml version="1.0" encoding="utf-8"?>
-<p:sld xmlns:a="http://schemas.openxmlformats.org/drawingml/2006/main" xmlns:r="http://schemas.openxmlformats.org/officeDocument/2006/relationships" xmlns:p="http://schemas.openxmlformats.org/presentationml/2006/main">
-  <p:cSld>
-    <p:spTree>
-      <p:nvGrpSpPr>
-        <p:cNvPr id="1" name=""/>
-        <p:cNvGrpSpPr/>
-        <p:nvPr/>
-      </p:nvGrpSpPr>
-      <p:grpSpPr>
-        <a:xfrm>
-          <a:off x="0" y="0"/>
-          <a:ext cx="0" cy="0"/>
-          <a:chOff x="0" y="0"/>
-          <a:chExt cx="0" cy="0"/>
-        </a:xfrm>
-      </p:grpSpPr>
-      <p:sp>
-        <p:nvSpPr>
-          <p:cNvPr id="2" name="Titre 1">
-            <a:extLst>
-              <a:ext uri="{FF2B5EF4-FFF2-40B4-BE49-F238E27FC236}">
-                <a16:creationId xmlns:a16="http://schemas.microsoft.com/office/drawing/2014/main" id="{F8DA1E1A-2663-3554-42AF-BEA2614AF411}"/>
-              </a:ext>
-            </a:extLst>
-          </p:cNvPr>
-          <p:cNvSpPr>
-            <a:spLocks noGrp="1"/>
-          </p:cNvSpPr>
-          <p:nvPr>
-            <p:ph type="title"/>
-          </p:nvPr>
-        </p:nvSpPr>
-        <p:spPr/>
-        <p:txBody>
-          <a:bodyPr>
-            <a:normAutofit fontScale="90000"/>
-          </a:bodyPr>
-          <a:lstStyle/>
-          <a:p>
-            <a:r>
-              <a:rPr lang="fr-FR" dirty="0"/>
-              <a:t>Flask – Injection de dépendance et inversion de contrôle </a:t>
-            </a:r>
-          </a:p>
-        </p:txBody>
-      </p:sp>
-      <p:sp>
-        <p:nvSpPr>
-          <p:cNvPr id="3" name="Espace réservé du contenu 2">
-            <a:extLst>
-              <a:ext uri="{FF2B5EF4-FFF2-40B4-BE49-F238E27FC236}">
-                <a16:creationId xmlns:a16="http://schemas.microsoft.com/office/drawing/2014/main" id="{75EB2FC0-90DC-6FFE-64E8-AC3A53C73EA4}"/>
-              </a:ext>
-            </a:extLst>
-          </p:cNvPr>
-          <p:cNvSpPr>
-            <a:spLocks noGrp="1"/>
-          </p:cNvSpPr>
-          <p:nvPr>
-            <p:ph idx="1"/>
-          </p:nvPr>
-        </p:nvSpPr>
-        <p:spPr/>
-        <p:txBody>
-          <a:bodyPr>
-            <a:normAutofit/>
-          </a:bodyPr>
-          <a:lstStyle/>
-          <a:p>
-            <a:r>
-              <a:rPr lang="fr-FR" dirty="0"/>
-              <a:t>L’injection de dépendances, </a:t>
-            </a:r>
-            <a:r>
-              <a:rPr lang="fr-FR" i="1" dirty="0" err="1"/>
-              <a:t>Dependency</a:t>
-            </a:r>
-            <a:r>
-              <a:rPr lang="fr-FR" i="1" dirty="0"/>
-              <a:t> Injection (DI),</a:t>
-            </a:r>
-            <a:r>
-              <a:rPr lang="fr-FR" dirty="0"/>
-              <a:t> a pour but de séparer la création d’un objet de son usage. Cette création est faite à l’extérieur de la classe, par le code appelant. L’instance de la dépendance ainsi créée est injectée dans la classe qui en fait usage</a:t>
-            </a:r>
-          </a:p>
-          <a:p>
-            <a:pPr lvl="1"/>
-            <a:r>
-              <a:rPr lang="fr-FR" dirty="0"/>
-              <a:t>Par constructeur : la dépendance est passée en paramètre au constructeur.</a:t>
-            </a:r>
-          </a:p>
-          <a:p>
-            <a:pPr lvl="1"/>
-            <a:r>
-              <a:rPr lang="fr-FR" dirty="0"/>
-              <a:t>Par méthode : la dépendance est passée en paramètre à la méthode qui l’utilise.</a:t>
-            </a:r>
-          </a:p>
-          <a:p>
-            <a:pPr lvl="1"/>
-            <a:r>
-              <a:rPr lang="fr-FR" dirty="0"/>
-              <a:t>Par propriété : la dépendance est injectée dans la classe au moyen d’un </a:t>
-            </a:r>
-            <a:r>
-              <a:rPr lang="fr-FR" i="1" dirty="0"/>
-              <a:t>setter</a:t>
-            </a:r>
-            <a:r>
-              <a:rPr lang="fr-FR" dirty="0"/>
-              <a:t>, d’une propriété en écriture (et éventuellement en lecture).</a:t>
-            </a:r>
-          </a:p>
-          <a:p>
-            <a:endParaRPr lang="fr-FR" dirty="0"/>
-          </a:p>
-        </p:txBody>
-      </p:sp>
-      <p:sp>
-        <p:nvSpPr>
-          <p:cNvPr id="4" name="Espace réservé du pied de page 3">
-            <a:extLst>
-              <a:ext uri="{FF2B5EF4-FFF2-40B4-BE49-F238E27FC236}">
-                <a16:creationId xmlns:a16="http://schemas.microsoft.com/office/drawing/2014/main" id="{2195DA65-364D-7BD5-EEB1-249DD6745B31}"/>
-              </a:ext>
-            </a:extLst>
-          </p:cNvPr>
-          <p:cNvSpPr>
-            <a:spLocks noGrp="1"/>
-          </p:cNvSpPr>
-          <p:nvPr>
-            <p:ph type="ftr" sz="quarter" idx="11"/>
-          </p:nvPr>
-        </p:nvSpPr>
-        <p:spPr/>
-        <p:txBody>
-          <a:bodyPr/>
-          <a:lstStyle/>
-          <a:p>
-            <a:r>
-              <a:rPr lang="fr-FR"/>
-              <a:t>Ihab   A B A D I   -   U T O P I O S   </a:t>
-            </a:r>
-          </a:p>
-        </p:txBody>
-      </p:sp>
-      <p:sp>
-        <p:nvSpPr>
-          <p:cNvPr id="5" name="Espace réservé du numéro de diapositive 4">
-            <a:extLst>
-              <a:ext uri="{FF2B5EF4-FFF2-40B4-BE49-F238E27FC236}">
-                <a16:creationId xmlns:a16="http://schemas.microsoft.com/office/drawing/2014/main" id="{D4166FC8-FF62-DD27-0837-3589F20D313D}"/>
-              </a:ext>
-            </a:extLst>
-          </p:cNvPr>
-          <p:cNvSpPr>
-            <a:spLocks noGrp="1"/>
-          </p:cNvSpPr>
-          <p:nvPr>
-            <p:ph type="sldNum" sz="quarter" idx="12"/>
-          </p:nvPr>
-        </p:nvSpPr>
-        <p:spPr/>
-        <p:txBody>
-          <a:bodyPr/>
-          <a:lstStyle/>
-          <a:p>
-            <a:fld id="{30C08E44-961C-1C42-9C6E-741617B50B11}" type="slidenum">
-              <a:rPr lang="fr-FR" smtClean="0"/>
-              <a:t>8</a:t>
-            </a:fld>
-            <a:endParaRPr lang="fr-FR"/>
-          </a:p>
-        </p:txBody>
-      </p:sp>
-    </p:spTree>
-    <p:extLst>
-      <p:ext uri="{BB962C8B-B14F-4D97-AF65-F5344CB8AC3E}">
-        <p14:creationId xmlns:p14="http://schemas.microsoft.com/office/powerpoint/2010/main" val="756536993"/>
-      </p:ext>
-    </p:extLst>
-  </p:cSld>
-  <p:clrMapOvr>
-    <a:masterClrMapping/>
-  </p:clrMapOvr>
-</p:sld>
-</file>
-
-<file path=ppt/slides/slide9.xml><?xml version="1.0" encoding="utf-8"?>
-<p:sld xmlns:a="http://schemas.openxmlformats.org/drawingml/2006/main" xmlns:r="http://schemas.openxmlformats.org/officeDocument/2006/relationships" xmlns:p="http://schemas.openxmlformats.org/presentationml/2006/main">
-  <p:cSld>
-    <p:spTree>
-      <p:nvGrpSpPr>
-        <p:cNvPr id="1" name=""/>
-        <p:cNvGrpSpPr/>
-        <p:nvPr/>
-      </p:nvGrpSpPr>
-      <p:grpSpPr>
-        <a:xfrm>
-          <a:off x="0" y="0"/>
-          <a:ext cx="0" cy="0"/>
-          <a:chOff x="0" y="0"/>
-          <a:chExt cx="0" cy="0"/>
-        </a:xfrm>
-      </p:grpSpPr>
-      <p:sp>
-        <p:nvSpPr>
-          <p:cNvPr id="2" name="Titre 1">
-            <a:extLst>
-              <a:ext uri="{FF2B5EF4-FFF2-40B4-BE49-F238E27FC236}">
-                <a16:creationId xmlns:a16="http://schemas.microsoft.com/office/drawing/2014/main" id="{F8DA1E1A-2663-3554-42AF-BEA2614AF411}"/>
-              </a:ext>
-            </a:extLst>
-          </p:cNvPr>
-          <p:cNvSpPr>
-            <a:spLocks noGrp="1"/>
-          </p:cNvSpPr>
-          <p:nvPr>
-            <p:ph type="title"/>
-          </p:nvPr>
-        </p:nvSpPr>
-        <p:spPr/>
-        <p:txBody>
-          <a:bodyPr>
-            <a:normAutofit fontScale="90000"/>
-          </a:bodyPr>
-          <a:lstStyle/>
-          <a:p>
-            <a:r>
-              <a:rPr lang="fr-FR" dirty="0"/>
-              <a:t>Flask – Injection de dépendance et inversion de contrôle </a:t>
-            </a:r>
-          </a:p>
-        </p:txBody>
-      </p:sp>
-      <p:sp>
-        <p:nvSpPr>
-          <p:cNvPr id="3" name="Espace réservé du contenu 2">
-            <a:extLst>
-              <a:ext uri="{FF2B5EF4-FFF2-40B4-BE49-F238E27FC236}">
-                <a16:creationId xmlns:a16="http://schemas.microsoft.com/office/drawing/2014/main" id="{75EB2FC0-90DC-6FFE-64E8-AC3A53C73EA4}"/>
-              </a:ext>
-            </a:extLst>
-          </p:cNvPr>
-          <p:cNvSpPr>
-            <a:spLocks noGrp="1"/>
-          </p:cNvSpPr>
-          <p:nvPr>
-            <p:ph idx="1"/>
-          </p:nvPr>
-        </p:nvSpPr>
-        <p:spPr>
-          <a:xfrm>
-            <a:off x="838200" y="1825625"/>
-            <a:ext cx="4597400" cy="4351338"/>
-          </a:xfrm>
-        </p:spPr>
-        <p:txBody>
-          <a:bodyPr>
-            <a:normAutofit fontScale="92500" lnSpcReduction="20000"/>
-          </a:bodyPr>
-          <a:lstStyle/>
-          <a:p>
-            <a:r>
-              <a:rPr lang="fr-FR" dirty="0"/>
-              <a:t>Le principe d’inversion des dépendances, </a:t>
-            </a:r>
-            <a:r>
-              <a:rPr lang="fr-FR" i="1" dirty="0" err="1"/>
-              <a:t>Dependency</a:t>
-            </a:r>
-            <a:r>
-              <a:rPr lang="fr-FR" i="1" dirty="0"/>
-              <a:t> Inversion </a:t>
-            </a:r>
-            <a:r>
-              <a:rPr lang="fr-FR" i="1" dirty="0" err="1"/>
-              <a:t>Principle</a:t>
-            </a:r>
-            <a:r>
-              <a:rPr lang="fr-FR" i="1" dirty="0"/>
-              <a:t> (DIP)</a:t>
-            </a:r>
-            <a:r>
-              <a:rPr lang="fr-FR" dirty="0"/>
-              <a:t>, est l’un des </a:t>
-            </a:r>
-            <a:r>
-              <a:rPr lang="fr-FR" dirty="0">
-                <a:hlinkClick r:id="rId2"/>
-              </a:rPr>
-              <a:t>5 principes SOLID</a:t>
-            </a:r>
-            <a:r>
-              <a:rPr lang="fr-FR" dirty="0"/>
-              <a:t> : c’en est le “D”</a:t>
-            </a:r>
-          </a:p>
-          <a:p>
-            <a:r>
-              <a:rPr lang="fr-FR" dirty="0"/>
-              <a:t>Les modules de haut niveau ne doivent pas dépendre des modules de bas niveau. Les deux doivent dépendre d’abstractions.</a:t>
-            </a:r>
-          </a:p>
-          <a:p>
-            <a:r>
-              <a:rPr lang="fr-FR" dirty="0"/>
-              <a:t>Les abstractions ne doivent pas dépendre des détails. Les détails doivent dépendre des abstractions.</a:t>
-            </a:r>
-          </a:p>
-          <a:p>
-            <a:endParaRPr lang="fr-FR" dirty="0"/>
-          </a:p>
-        </p:txBody>
-      </p:sp>
-      <p:sp>
-        <p:nvSpPr>
-          <p:cNvPr id="4" name="Espace réservé du pied de page 3">
-            <a:extLst>
-              <a:ext uri="{FF2B5EF4-FFF2-40B4-BE49-F238E27FC236}">
-                <a16:creationId xmlns:a16="http://schemas.microsoft.com/office/drawing/2014/main" id="{2195DA65-364D-7BD5-EEB1-249DD6745B31}"/>
-              </a:ext>
-            </a:extLst>
-          </p:cNvPr>
-          <p:cNvSpPr>
-            <a:spLocks noGrp="1"/>
-          </p:cNvSpPr>
-          <p:nvPr>
-            <p:ph type="ftr" sz="quarter" idx="11"/>
-          </p:nvPr>
-        </p:nvSpPr>
-        <p:spPr/>
-        <p:txBody>
-          <a:bodyPr/>
-          <a:lstStyle/>
-          <a:p>
-            <a:r>
-              <a:rPr lang="fr-FR"/>
-              <a:t>Ihab   A B A D I   -   U T O P I O S   </a:t>
-            </a:r>
-          </a:p>
-        </p:txBody>
-      </p:sp>
-      <p:sp>
-        <p:nvSpPr>
-          <p:cNvPr id="5" name="Espace réservé du numéro de diapositive 4">
-            <a:extLst>
-              <a:ext uri="{FF2B5EF4-FFF2-40B4-BE49-F238E27FC236}">
-                <a16:creationId xmlns:a16="http://schemas.microsoft.com/office/drawing/2014/main" id="{D4166FC8-FF62-DD27-0837-3589F20D313D}"/>
-              </a:ext>
-            </a:extLst>
-          </p:cNvPr>
-          <p:cNvSpPr>
-            <a:spLocks noGrp="1"/>
-          </p:cNvSpPr>
-          <p:nvPr>
-            <p:ph type="sldNum" sz="quarter" idx="12"/>
-          </p:nvPr>
-        </p:nvSpPr>
-        <p:spPr/>
-        <p:txBody>
-          <a:bodyPr/>
-          <a:lstStyle/>
-          <a:p>
-            <a:fld id="{30C08E44-961C-1C42-9C6E-741617B50B11}" type="slidenum">
-              <a:rPr lang="fr-FR" smtClean="0"/>
-              <a:t>9</a:t>
-            </a:fld>
-            <a:endParaRPr lang="fr-FR"/>
-          </a:p>
-        </p:txBody>
-      </p:sp>
-      <p:pic>
-        <p:nvPicPr>
-          <p:cNvPr id="3074" name="Picture 2" descr="Class diagram #2">
-            <a:extLst>
-              <a:ext uri="{FF2B5EF4-FFF2-40B4-BE49-F238E27FC236}">
-                <a16:creationId xmlns:a16="http://schemas.microsoft.com/office/drawing/2014/main" id="{EB9D7CD6-6C4E-0041-A186-2129B303761E}"/>
-              </a:ext>
-            </a:extLst>
-          </p:cNvPr>
-          <p:cNvPicPr>
-            <a:picLocks noChangeAspect="1" noChangeArrowheads="1"/>
-          </p:cNvPicPr>
-          <p:nvPr/>
-        </p:nvPicPr>
-        <p:blipFill>
-          <a:blip r:embed="rId3">
-            <a:extLst>
-              <a:ext uri="{28A0092B-C50C-407E-A947-70E740481C1C}">
-                <a14:useLocalDpi xmlns:a14="http://schemas.microsoft.com/office/drawing/2010/main" val="0"/>
-              </a:ext>
-            </a:extLst>
-          </a:blip>
-          <a:srcRect/>
-          <a:stretch>
-            <a:fillRect/>
-          </a:stretch>
-        </p:blipFill>
-        <p:spPr bwMode="auto">
-          <a:xfrm>
-            <a:off x="6980767" y="2860785"/>
-            <a:ext cx="4373033" cy="1777889"/>
-          </a:xfrm>
-          <a:prstGeom prst="rect">
-            <a:avLst/>
-          </a:prstGeom>
-          <a:noFill/>
-          <a:extLst>
-            <a:ext uri="{909E8E84-426E-40DD-AFC4-6F175D3DCCD1}">
-              <a14:hiddenFill xmlns:a14="http://schemas.microsoft.com/office/drawing/2010/main">
-                <a:solidFill>
-                  <a:srgbClr val="FFFFFF"/>
-                </a:solidFill>
-              </a14:hiddenFill>
-            </a:ext>
-          </a:extLst>
-        </p:spPr>
-      </p:pic>
-    </p:spTree>
-    <p:extLst>
-      <p:ext uri="{BB962C8B-B14F-4D97-AF65-F5344CB8AC3E}">
-        <p14:creationId xmlns:p14="http://schemas.microsoft.com/office/powerpoint/2010/main" val="3885400119"/>
       </p:ext>
     </p:extLst>
   </p:cSld>
